--- a/PalMod2022/docs/esm_environment_and_machine_files.pptx
+++ b/PalMod2022/docs/esm_environment_and_machine_files.pptx
@@ -11,6 +11,11 @@
     <p:sldId id="276" r:id="rId5"/>
     <p:sldId id="277" r:id="rId6"/>
     <p:sldId id="278" r:id="rId7"/>
+    <p:sldId id="279" r:id="rId8"/>
+    <p:sldId id="280" r:id="rId9"/>
+    <p:sldId id="281" r:id="rId10"/>
+    <p:sldId id="282" r:id="rId11"/>
+    <p:sldId id="283" r:id="rId12"/>
   </p:sldIdLst>
   <p:sldSz cx="12192000" cy="6858000"/>
   <p:notesSz cx="6858000" cy="9144000"/>
@@ -248,7 +253,7 @@
           <a:p>
             <a:fld id="{6A96EA6E-A9F3-40C8-A047-16E35C64F658}" type="datetimeFigureOut">
               <a:rPr lang="tr-TR" smtClean="0"/>
-              <a:t>17.04.2022</a:t>
+              <a:t>18.04.2022</a:t>
             </a:fld>
             <a:endParaRPr lang="tr-TR"/>
           </a:p>
@@ -418,7 +423,7 @@
           <a:p>
             <a:fld id="{6A96EA6E-A9F3-40C8-A047-16E35C64F658}" type="datetimeFigureOut">
               <a:rPr lang="tr-TR" smtClean="0"/>
-              <a:t>17.04.2022</a:t>
+              <a:t>18.04.2022</a:t>
             </a:fld>
             <a:endParaRPr lang="tr-TR"/>
           </a:p>
@@ -598,7 +603,7 @@
           <a:p>
             <a:fld id="{6A96EA6E-A9F3-40C8-A047-16E35C64F658}" type="datetimeFigureOut">
               <a:rPr lang="tr-TR" smtClean="0"/>
-              <a:t>17.04.2022</a:t>
+              <a:t>18.04.2022</a:t>
             </a:fld>
             <a:endParaRPr lang="tr-TR"/>
           </a:p>
@@ -768,7 +773,7 @@
           <a:p>
             <a:fld id="{6A96EA6E-A9F3-40C8-A047-16E35C64F658}" type="datetimeFigureOut">
               <a:rPr lang="tr-TR" smtClean="0"/>
-              <a:t>17.04.2022</a:t>
+              <a:t>18.04.2022</a:t>
             </a:fld>
             <a:endParaRPr lang="tr-TR"/>
           </a:p>
@@ -1014,7 +1019,7 @@
           <a:p>
             <a:fld id="{6A96EA6E-A9F3-40C8-A047-16E35C64F658}" type="datetimeFigureOut">
               <a:rPr lang="tr-TR" smtClean="0"/>
-              <a:t>17.04.2022</a:t>
+              <a:t>18.04.2022</a:t>
             </a:fld>
             <a:endParaRPr lang="tr-TR"/>
           </a:p>
@@ -1246,7 +1251,7 @@
           <a:p>
             <a:fld id="{6A96EA6E-A9F3-40C8-A047-16E35C64F658}" type="datetimeFigureOut">
               <a:rPr lang="tr-TR" smtClean="0"/>
-              <a:t>17.04.2022</a:t>
+              <a:t>18.04.2022</a:t>
             </a:fld>
             <a:endParaRPr lang="tr-TR"/>
           </a:p>
@@ -1613,7 +1618,7 @@
           <a:p>
             <a:fld id="{6A96EA6E-A9F3-40C8-A047-16E35C64F658}" type="datetimeFigureOut">
               <a:rPr lang="tr-TR" smtClean="0"/>
-              <a:t>17.04.2022</a:t>
+              <a:t>18.04.2022</a:t>
             </a:fld>
             <a:endParaRPr lang="tr-TR"/>
           </a:p>
@@ -1731,7 +1736,7 @@
           <a:p>
             <a:fld id="{6A96EA6E-A9F3-40C8-A047-16E35C64F658}" type="datetimeFigureOut">
               <a:rPr lang="tr-TR" smtClean="0"/>
-              <a:t>17.04.2022</a:t>
+              <a:t>18.04.2022</a:t>
             </a:fld>
             <a:endParaRPr lang="tr-TR"/>
           </a:p>
@@ -1826,7 +1831,7 @@
           <a:p>
             <a:fld id="{6A96EA6E-A9F3-40C8-A047-16E35C64F658}" type="datetimeFigureOut">
               <a:rPr lang="tr-TR" smtClean="0"/>
-              <a:t>17.04.2022</a:t>
+              <a:t>18.04.2022</a:t>
             </a:fld>
             <a:endParaRPr lang="tr-TR"/>
           </a:p>
@@ -2103,7 +2108,7 @@
           <a:p>
             <a:fld id="{6A96EA6E-A9F3-40C8-A047-16E35C64F658}" type="datetimeFigureOut">
               <a:rPr lang="tr-TR" smtClean="0"/>
-              <a:t>17.04.2022</a:t>
+              <a:t>18.04.2022</a:t>
             </a:fld>
             <a:endParaRPr lang="tr-TR"/>
           </a:p>
@@ -2356,7 +2361,7 @@
           <a:p>
             <a:fld id="{6A96EA6E-A9F3-40C8-A047-16E35C64F658}" type="datetimeFigureOut">
               <a:rPr lang="tr-TR" smtClean="0"/>
-              <a:t>17.04.2022</a:t>
+              <a:t>18.04.2022</a:t>
             </a:fld>
             <a:endParaRPr lang="tr-TR"/>
           </a:p>
@@ -2569,7 +2574,7 @@
           <a:p>
             <a:fld id="{6A96EA6E-A9F3-40C8-A047-16E35C64F658}" type="datetimeFigureOut">
               <a:rPr lang="tr-TR" smtClean="0"/>
-              <a:t>17.04.2022</a:t>
+              <a:t>18.04.2022</a:t>
             </a:fld>
             <a:endParaRPr lang="tr-TR"/>
           </a:p>
@@ -4173,6 +4178,757 @@
 </p:sld>
 </file>
 
+<file path=ppt/slides/slide10.xml><?xml version="1.0" encoding="utf-8"?>
+<p:sld xmlns:a="http://schemas.openxmlformats.org/drawingml/2006/main" xmlns:r="http://schemas.openxmlformats.org/officeDocument/2006/relationships" xmlns:p="http://schemas.openxmlformats.org/presentationml/2006/main">
+  <p:cSld>
+    <p:spTree>
+      <p:nvGrpSpPr>
+        <p:cNvPr id="1" name=""/>
+        <p:cNvGrpSpPr/>
+        <p:nvPr/>
+      </p:nvGrpSpPr>
+      <p:grpSpPr>
+        <a:xfrm>
+          <a:off x="0" y="0"/>
+          <a:ext cx="0" cy="0"/>
+          <a:chOff x="0" y="0"/>
+          <a:chExt cx="0" cy="0"/>
+        </a:xfrm>
+      </p:grpSpPr>
+      <p:sp>
+        <p:nvSpPr>
+          <p:cNvPr id="2" name="Rectangle 1"/>
+          <p:cNvSpPr/>
+          <p:nvPr/>
+        </p:nvSpPr>
+        <p:spPr>
+          <a:xfrm>
+            <a:off x="0" y="2"/>
+            <a:ext cx="12192000" cy="1296364"/>
+          </a:xfrm>
+          <a:prstGeom prst="rect">
+            <a:avLst/>
+          </a:prstGeom>
+          <a:solidFill>
+            <a:srgbClr val="00ACE6"/>
+          </a:solidFill>
+          <a:ln>
+            <a:noFill/>
+          </a:ln>
+        </p:spPr>
+        <p:style>
+          <a:lnRef idx="2">
+            <a:schemeClr val="accent1">
+              <a:shade val="50000"/>
+            </a:schemeClr>
+          </a:lnRef>
+          <a:fillRef idx="1">
+            <a:schemeClr val="accent1"/>
+          </a:fillRef>
+          <a:effectRef idx="0">
+            <a:schemeClr val="accent1"/>
+          </a:effectRef>
+          <a:fontRef idx="minor">
+            <a:schemeClr val="lt1"/>
+          </a:fontRef>
+        </p:style>
+        <p:txBody>
+          <a:bodyPr rtlCol="0" anchor="ctr"/>
+          <a:lstStyle/>
+          <a:p>
+            <a:r>
+              <a:rPr lang="en-GB" sz="4800" b="1" dirty="0" err="1"/>
+              <a:t>environment_changes</a:t>
+            </a:r>
+            <a:endParaRPr lang="en-GB" sz="4800" b="1" dirty="0"/>
+          </a:p>
+        </p:txBody>
+      </p:sp>
+      <p:sp>
+        <p:nvSpPr>
+          <p:cNvPr id="14" name="TextBox 13"/>
+          <p:cNvSpPr txBox="1"/>
+          <p:nvPr/>
+        </p:nvSpPr>
+        <p:spPr>
+          <a:xfrm>
+            <a:off x="1061012" y="1296366"/>
+            <a:ext cx="10069975" cy="7109639"/>
+          </a:xfrm>
+          <a:prstGeom prst="rect">
+            <a:avLst/>
+          </a:prstGeom>
+          <a:noFill/>
+        </p:spPr>
+        <p:txBody>
+          <a:bodyPr wrap="square" rtlCol="0">
+            <a:spAutoFit/>
+          </a:bodyPr>
+          <a:lstStyle/>
+          <a:p>
+            <a:r>
+              <a:rPr lang="en-US" sz="2400" b="1" dirty="0"/>
+              <a:t>Coupled setups</a:t>
+            </a:r>
+          </a:p>
+          <a:p>
+            <a:endParaRPr lang="en-US" sz="2400" dirty="0"/>
+          </a:p>
+          <a:p>
+            <a:pPr marL="342900" indent="-342900">
+              <a:buFont typeface="Arial" panose="020B0604020202020204" pitchFamily="34" charset="0"/>
+              <a:buChar char="•"/>
+            </a:pPr>
+            <a:r>
+              <a:rPr lang="en-GB" sz="2400" dirty="0" err="1">
+                <a:solidFill>
+                  <a:srgbClr val="ED7D31"/>
+                </a:solidFill>
+              </a:rPr>
+              <a:t>compiletime_environment_changes</a:t>
+            </a:r>
+            <a:r>
+              <a:rPr lang="en-GB" sz="2400" dirty="0">
+                <a:solidFill>
+                  <a:srgbClr val="ED7D31"/>
+                </a:solidFill>
+              </a:rPr>
+              <a:t> </a:t>
+            </a:r>
+            <a:r>
+              <a:rPr lang="en-GB" sz="2400" dirty="0"/>
+              <a:t>allows for different compilation environments under the same coupled setup (i.e. in AWI-ESM-2, the </a:t>
+            </a:r>
+            <a:r>
+              <a:rPr lang="en-GB" dirty="0" err="1">
+                <a:latin typeface="Monaco" pitchFamily="2" charset="77"/>
+              </a:rPr>
+              <a:t>echam.yaml</a:t>
+            </a:r>
+            <a:r>
+              <a:rPr lang="en-GB" dirty="0">
+                <a:latin typeface="Monaco" pitchFamily="2" charset="77"/>
+              </a:rPr>
+              <a:t> </a:t>
+            </a:r>
+            <a:r>
+              <a:rPr lang="en-GB" sz="2400" dirty="0"/>
+              <a:t>and the </a:t>
+            </a:r>
+            <a:r>
+              <a:rPr lang="en-GB" dirty="0">
+                <a:latin typeface="Monaco" pitchFamily="2" charset="77"/>
+              </a:rPr>
+              <a:t>fesom-2.1.yaml </a:t>
+            </a:r>
+            <a:r>
+              <a:rPr lang="en-GB" sz="2400" dirty="0"/>
+              <a:t>both contain </a:t>
+            </a:r>
+            <a:r>
+              <a:rPr lang="en-GB" sz="2400" dirty="0" err="1">
+                <a:solidFill>
+                  <a:srgbClr val="ED7D31"/>
+                </a:solidFill>
+              </a:rPr>
+              <a:t>compiletime_environment_changes</a:t>
+            </a:r>
+            <a:r>
+              <a:rPr lang="en-GB" sz="2400" dirty="0"/>
+              <a:t>, resulting in different compilation environments during </a:t>
+            </a:r>
+            <a:r>
+              <a:rPr lang="en-GB" dirty="0" err="1">
+                <a:latin typeface="Monaco" pitchFamily="2" charset="77"/>
+              </a:rPr>
+              <a:t>esm_master</a:t>
+            </a:r>
+            <a:r>
+              <a:rPr lang="en-GB" dirty="0">
+                <a:latin typeface="Monaco" pitchFamily="2" charset="77"/>
+              </a:rPr>
+              <a:t> comp-awiesm-2.1</a:t>
+            </a:r>
+            <a:r>
+              <a:rPr lang="en-GB" sz="2400" dirty="0"/>
+              <a:t>) </a:t>
+            </a:r>
+          </a:p>
+          <a:p>
+            <a:pPr marL="342900" indent="-342900">
+              <a:buFont typeface="Arial" panose="020B0604020202020204" pitchFamily="34" charset="0"/>
+              <a:buChar char="•"/>
+            </a:pPr>
+            <a:r>
+              <a:rPr lang="en-GB" sz="2400" dirty="0"/>
+              <a:t>The runtime environment for online coupled setups is the result of combining:</a:t>
+            </a:r>
+          </a:p>
+          <a:p>
+            <a:pPr marL="914400" lvl="1" indent="-457200">
+              <a:buFont typeface="+mj-lt"/>
+              <a:buAutoNum type="arabicPeriod"/>
+            </a:pPr>
+            <a:r>
+              <a:rPr lang="en-GB" sz="2400" dirty="0"/>
+              <a:t>The environment information of the &lt;</a:t>
+            </a:r>
+            <a:r>
+              <a:rPr lang="en-GB" sz="2400" dirty="0">
+                <a:solidFill>
+                  <a:srgbClr val="ED7D31"/>
+                </a:solidFill>
+              </a:rPr>
+              <a:t>machine</a:t>
+            </a:r>
+            <a:r>
+              <a:rPr lang="en-GB" sz="2400" dirty="0"/>
+              <a:t>&gt;</a:t>
+            </a:r>
+            <a:r>
+              <a:rPr lang="en-GB" sz="2400" dirty="0">
+                <a:solidFill>
+                  <a:srgbClr val="ED7D31"/>
+                </a:solidFill>
+              </a:rPr>
+              <a:t>.</a:t>
+            </a:r>
+            <a:r>
+              <a:rPr lang="en-GB" sz="2400" dirty="0" err="1">
+                <a:solidFill>
+                  <a:srgbClr val="ED7D31"/>
+                </a:solidFill>
+              </a:rPr>
+              <a:t>yaml</a:t>
+            </a:r>
+            <a:endParaRPr lang="en-GB" sz="2400" dirty="0">
+              <a:solidFill>
+                <a:srgbClr val="ED7D31"/>
+              </a:solidFill>
+            </a:endParaRPr>
+          </a:p>
+          <a:p>
+            <a:pPr marL="914400" lvl="1" indent="-457200">
+              <a:buFont typeface="+mj-lt"/>
+              <a:buAutoNum type="arabicPeriod"/>
+            </a:pPr>
+            <a:r>
+              <a:rPr lang="en-GB" sz="2400" dirty="0"/>
+              <a:t>The environment information contained in the </a:t>
+            </a:r>
+            <a:r>
+              <a:rPr lang="en-GB" sz="2400" dirty="0" err="1">
+                <a:solidFill>
+                  <a:srgbClr val="ED7D31"/>
+                </a:solidFill>
+              </a:rPr>
+              <a:t>runtime_environment_changes</a:t>
+            </a:r>
+            <a:r>
+              <a:rPr lang="en-GB" sz="2400" dirty="0">
+                <a:solidFill>
+                  <a:srgbClr val="ED7D31"/>
+                </a:solidFill>
+              </a:rPr>
+              <a:t> </a:t>
+            </a:r>
+            <a:r>
+              <a:rPr lang="en-GB" sz="2400" dirty="0"/>
+              <a:t>in the </a:t>
+            </a:r>
+            <a:r>
+              <a:rPr lang="en-GB" sz="2400" dirty="0">
+                <a:solidFill>
+                  <a:srgbClr val="ED7D31"/>
+                </a:solidFill>
+              </a:rPr>
+              <a:t>component files </a:t>
+            </a:r>
+            <a:r>
+              <a:rPr lang="en-GB" sz="2400" dirty="0"/>
+              <a:t>(i.e. </a:t>
+            </a:r>
+            <a:r>
+              <a:rPr lang="en-GB" dirty="0" err="1">
+                <a:latin typeface="Monaco" pitchFamily="2" charset="77"/>
+              </a:rPr>
+              <a:t>echam.yaml</a:t>
+            </a:r>
+            <a:r>
+              <a:rPr lang="en-GB" sz="1400" dirty="0">
+                <a:latin typeface="Monaco" pitchFamily="2" charset="77"/>
+              </a:rPr>
+              <a:t>, </a:t>
+            </a:r>
+            <a:r>
+              <a:rPr lang="en-GB" dirty="0">
+                <a:latin typeface="Monaco" pitchFamily="2" charset="77"/>
+              </a:rPr>
+              <a:t>fesom-2.1.yaml</a:t>
+            </a:r>
+            <a:r>
+              <a:rPr lang="en-GB" sz="2400" dirty="0"/>
+              <a:t>, ...)</a:t>
+            </a:r>
+          </a:p>
+          <a:p>
+            <a:pPr marL="914400" lvl="1" indent="-457200">
+              <a:buFont typeface="+mj-lt"/>
+              <a:buAutoNum type="arabicPeriod"/>
+            </a:pPr>
+            <a:r>
+              <a:rPr lang="en-GB" sz="2400" dirty="0"/>
+              <a:t>The environment information contained in the </a:t>
+            </a:r>
+            <a:r>
+              <a:rPr lang="en-GB" sz="2400" dirty="0" err="1">
+                <a:solidFill>
+                  <a:srgbClr val="ED7D31"/>
+                </a:solidFill>
+              </a:rPr>
+              <a:t>runtime_environment_changes</a:t>
+            </a:r>
+            <a:r>
+              <a:rPr lang="en-GB" sz="2400" dirty="0"/>
+              <a:t> in the </a:t>
+            </a:r>
+            <a:r>
+              <a:rPr lang="en-GB" sz="2400" dirty="0">
+                <a:solidFill>
+                  <a:srgbClr val="ED7D31"/>
+                </a:solidFill>
+              </a:rPr>
+              <a:t>setup file </a:t>
+            </a:r>
+            <a:r>
+              <a:rPr lang="en-GB" sz="2400" dirty="0"/>
+              <a:t>(</a:t>
+            </a:r>
+            <a:r>
+              <a:rPr lang="en-GB" dirty="0" err="1">
+                <a:latin typeface="Monaco" pitchFamily="2" charset="77"/>
+              </a:rPr>
+              <a:t>awiesm.yaml</a:t>
+            </a:r>
+            <a:r>
+              <a:rPr lang="en-GB" sz="2400" dirty="0"/>
+              <a:t>)</a:t>
+            </a:r>
+          </a:p>
+          <a:p>
+            <a:endParaRPr lang="en-GB" sz="2400" dirty="0">
+              <a:solidFill>
+                <a:schemeClr val="accent2"/>
+              </a:solidFill>
+            </a:endParaRPr>
+          </a:p>
+          <a:p>
+            <a:endParaRPr lang="en-GB" sz="2400" dirty="0">
+              <a:solidFill>
+                <a:schemeClr val="accent2"/>
+              </a:solidFill>
+            </a:endParaRPr>
+          </a:p>
+          <a:p>
+            <a:endParaRPr lang="en-GB" sz="2400" dirty="0">
+              <a:solidFill>
+                <a:schemeClr val="accent2"/>
+              </a:solidFill>
+            </a:endParaRPr>
+          </a:p>
+          <a:p>
+            <a:endParaRPr lang="en-GB" sz="2400" b="1" dirty="0"/>
+          </a:p>
+        </p:txBody>
+      </p:sp>
+      <p:sp>
+        <p:nvSpPr>
+          <p:cNvPr id="9" name="Isosceles Triangle 6">
+            <a:extLst>
+              <a:ext uri="{FF2B5EF4-FFF2-40B4-BE49-F238E27FC236}">
+                <a16:creationId xmlns:a16="http://schemas.microsoft.com/office/drawing/2014/main" id="{C8A477D7-37D5-C571-F295-169D7D1718A1}"/>
+              </a:ext>
+            </a:extLst>
+          </p:cNvPr>
+          <p:cNvSpPr/>
+          <p:nvPr/>
+        </p:nvSpPr>
+        <p:spPr>
+          <a:xfrm rot="5400000">
+            <a:off x="348693" y="1380756"/>
+            <a:ext cx="457812" cy="394666"/>
+          </a:xfrm>
+          <a:prstGeom prst="triangle">
+            <a:avLst/>
+          </a:prstGeom>
+          <a:solidFill>
+            <a:srgbClr val="00ACE6"/>
+          </a:solidFill>
+          <a:ln>
+            <a:noFill/>
+          </a:ln>
+        </p:spPr>
+        <p:style>
+          <a:lnRef idx="2">
+            <a:schemeClr val="accent1">
+              <a:shade val="50000"/>
+            </a:schemeClr>
+          </a:lnRef>
+          <a:fillRef idx="1">
+            <a:schemeClr val="accent1"/>
+          </a:fillRef>
+          <a:effectRef idx="0">
+            <a:schemeClr val="accent1"/>
+          </a:effectRef>
+          <a:fontRef idx="minor">
+            <a:schemeClr val="lt1"/>
+          </a:fontRef>
+        </p:style>
+        <p:txBody>
+          <a:bodyPr rtlCol="0" anchor="ctr"/>
+          <a:lstStyle/>
+          <a:p>
+            <a:pPr algn="ctr"/>
+            <a:endParaRPr lang="tr-TR"/>
+          </a:p>
+        </p:txBody>
+      </p:sp>
+    </p:spTree>
+    <p:extLst>
+      <p:ext uri="{BB962C8B-B14F-4D97-AF65-F5344CB8AC3E}">
+        <p14:creationId xmlns:p14="http://schemas.microsoft.com/office/powerpoint/2010/main" val="1465046877"/>
+      </p:ext>
+    </p:extLst>
+  </p:cSld>
+  <p:clrMapOvr>
+    <a:masterClrMapping/>
+  </p:clrMapOvr>
+</p:sld>
+</file>
+
+<file path=ppt/slides/slide11.xml><?xml version="1.0" encoding="utf-8"?>
+<p:sld xmlns:a="http://schemas.openxmlformats.org/drawingml/2006/main" xmlns:r="http://schemas.openxmlformats.org/officeDocument/2006/relationships" xmlns:p="http://schemas.openxmlformats.org/presentationml/2006/main">
+  <p:cSld>
+    <p:spTree>
+      <p:nvGrpSpPr>
+        <p:cNvPr id="1" name=""/>
+        <p:cNvGrpSpPr/>
+        <p:nvPr/>
+      </p:nvGrpSpPr>
+      <p:grpSpPr>
+        <a:xfrm>
+          <a:off x="0" y="0"/>
+          <a:ext cx="0" cy="0"/>
+          <a:chOff x="0" y="0"/>
+          <a:chExt cx="0" cy="0"/>
+        </a:xfrm>
+      </p:grpSpPr>
+      <p:sp>
+        <p:nvSpPr>
+          <p:cNvPr id="2" name="Rectangle 1"/>
+          <p:cNvSpPr/>
+          <p:nvPr/>
+        </p:nvSpPr>
+        <p:spPr>
+          <a:xfrm>
+            <a:off x="0" y="2"/>
+            <a:ext cx="12192000" cy="1296364"/>
+          </a:xfrm>
+          <a:prstGeom prst="rect">
+            <a:avLst/>
+          </a:prstGeom>
+          <a:solidFill>
+            <a:srgbClr val="00ACE6"/>
+          </a:solidFill>
+          <a:ln>
+            <a:noFill/>
+          </a:ln>
+        </p:spPr>
+        <p:style>
+          <a:lnRef idx="2">
+            <a:schemeClr val="accent1">
+              <a:shade val="50000"/>
+            </a:schemeClr>
+          </a:lnRef>
+          <a:fillRef idx="1">
+            <a:schemeClr val="accent1"/>
+          </a:fillRef>
+          <a:effectRef idx="0">
+            <a:schemeClr val="accent1"/>
+          </a:effectRef>
+          <a:fontRef idx="minor">
+            <a:schemeClr val="lt1"/>
+          </a:fontRef>
+        </p:style>
+        <p:txBody>
+          <a:bodyPr rtlCol="0" anchor="ctr"/>
+          <a:lstStyle/>
+          <a:p>
+            <a:r>
+              <a:rPr lang="en-GB" sz="4800" b="1" dirty="0" err="1"/>
+              <a:t>environment_changes</a:t>
+            </a:r>
+            <a:endParaRPr lang="en-GB" sz="4800" b="1" dirty="0"/>
+          </a:p>
+        </p:txBody>
+      </p:sp>
+      <p:sp>
+        <p:nvSpPr>
+          <p:cNvPr id="14" name="TextBox 13"/>
+          <p:cNvSpPr txBox="1"/>
+          <p:nvPr/>
+        </p:nvSpPr>
+        <p:spPr>
+          <a:xfrm>
+            <a:off x="1061012" y="1759213"/>
+            <a:ext cx="10069975" cy="3785652"/>
+          </a:xfrm>
+          <a:prstGeom prst="rect">
+            <a:avLst/>
+          </a:prstGeom>
+          <a:noFill/>
+        </p:spPr>
+        <p:txBody>
+          <a:bodyPr wrap="square" rtlCol="0">
+            <a:spAutoFit/>
+          </a:bodyPr>
+          <a:lstStyle/>
+          <a:p>
+            <a:r>
+              <a:rPr lang="en-US" sz="2400" b="1" dirty="0"/>
+              <a:t>Coupled setups</a:t>
+            </a:r>
+          </a:p>
+          <a:p>
+            <a:endParaRPr lang="en-US" sz="2400" dirty="0"/>
+          </a:p>
+          <a:p>
+            <a:pPr marL="342900" indent="-342900">
+              <a:buFont typeface="Arial" panose="020B0604020202020204" pitchFamily="34" charset="0"/>
+              <a:buChar char="•"/>
+            </a:pPr>
+            <a:r>
+              <a:rPr lang="en-US" sz="2400" dirty="0"/>
+              <a:t>To define a general </a:t>
+            </a:r>
+            <a:r>
+              <a:rPr lang="en-US" sz="2400" dirty="0" err="1">
+                <a:solidFill>
+                  <a:srgbClr val="ED7D31"/>
+                </a:solidFill>
+              </a:rPr>
+              <a:t>environment_changes</a:t>
+            </a:r>
+            <a:r>
+              <a:rPr lang="en-US" sz="2400" dirty="0"/>
+              <a:t> </a:t>
+            </a:r>
+            <a:r>
+              <a:rPr lang="en-US" sz="2400" b="1" dirty="0"/>
+              <a:t>for all the components of a setup</a:t>
+            </a:r>
+            <a:r>
+              <a:rPr lang="en-US" sz="2400" dirty="0"/>
+              <a:t>, include the </a:t>
+            </a:r>
+            <a:r>
+              <a:rPr lang="en-US" sz="2400" dirty="0" err="1">
+                <a:solidFill>
+                  <a:srgbClr val="ED7D31"/>
+                </a:solidFill>
+              </a:rPr>
+              <a:t>environment_changes</a:t>
+            </a:r>
+            <a:r>
+              <a:rPr lang="en-US" sz="2400" dirty="0">
+                <a:solidFill>
+                  <a:srgbClr val="ED7D31"/>
+                </a:solidFill>
+              </a:rPr>
+              <a:t> </a:t>
+            </a:r>
+            <a:r>
+              <a:rPr lang="en-US" sz="2400" dirty="0"/>
+              <a:t>inside the </a:t>
+            </a:r>
+            <a:r>
+              <a:rPr lang="en-US" sz="2400" dirty="0">
+                <a:solidFill>
+                  <a:srgbClr val="ED7D31"/>
+                </a:solidFill>
+              </a:rPr>
+              <a:t>general</a:t>
+            </a:r>
+            <a:r>
+              <a:rPr lang="en-US" sz="2400" dirty="0"/>
+              <a:t> section of the </a:t>
+            </a:r>
+            <a:r>
+              <a:rPr lang="en-US" sz="2400" dirty="0">
+                <a:solidFill>
+                  <a:srgbClr val="ED7D31"/>
+                </a:solidFill>
+              </a:rPr>
+              <a:t>setup file</a:t>
+            </a:r>
+            <a:r>
+              <a:rPr lang="en-US" sz="2400" dirty="0"/>
+              <a:t>. </a:t>
+            </a:r>
+            <a:r>
+              <a:rPr lang="en-US" sz="2400" b="1" dirty="0"/>
+              <a:t>This will ignore all the</a:t>
+            </a:r>
+            <a:r>
+              <a:rPr lang="en-US" sz="2400" dirty="0"/>
+              <a:t> </a:t>
+            </a:r>
+            <a:r>
+              <a:rPr lang="en-US" sz="2400" dirty="0" err="1">
+                <a:solidFill>
+                  <a:srgbClr val="ED7D31"/>
+                </a:solidFill>
+              </a:rPr>
+              <a:t>environment_changes</a:t>
+            </a:r>
+            <a:r>
+              <a:rPr lang="en-US" sz="2400" dirty="0">
+                <a:solidFill>
+                  <a:srgbClr val="ED7D31"/>
+                </a:solidFill>
+              </a:rPr>
+              <a:t> </a:t>
+            </a:r>
+            <a:r>
+              <a:rPr lang="en-US" sz="2400" b="1" dirty="0"/>
+              <a:t>defined by the standalone files</a:t>
+            </a:r>
+            <a:r>
+              <a:rPr lang="en-US" sz="2400" dirty="0"/>
+              <a:t>. It is still possible to add component-specific </a:t>
+            </a:r>
+            <a:r>
+              <a:rPr lang="en-US" sz="2400" dirty="0" err="1">
+                <a:solidFill>
+                  <a:srgbClr val="ED7D31"/>
+                </a:solidFill>
+              </a:rPr>
+              <a:t>environment_changes</a:t>
+            </a:r>
+            <a:r>
+              <a:rPr lang="en-US" sz="2400" dirty="0"/>
+              <a:t> </a:t>
+            </a:r>
+            <a:r>
+              <a:rPr lang="en-US" sz="2400" b="1" dirty="0"/>
+              <a:t>from the </a:t>
+            </a:r>
+            <a:r>
+              <a:rPr lang="en-US" sz="2400" b="1" dirty="0">
+                <a:solidFill>
+                  <a:srgbClr val="ED7D31"/>
+                </a:solidFill>
+              </a:rPr>
+              <a:t>component</a:t>
+            </a:r>
+            <a:r>
+              <a:rPr lang="en-US" sz="2400" b="1" dirty="0"/>
+              <a:t> section inside the setup file</a:t>
+            </a:r>
+            <a:r>
+              <a:rPr lang="en-US" sz="2400" dirty="0"/>
+              <a:t>.</a:t>
+            </a:r>
+            <a:endParaRPr lang="en-GB" sz="2400" dirty="0">
+              <a:solidFill>
+                <a:schemeClr val="accent2"/>
+              </a:solidFill>
+            </a:endParaRPr>
+          </a:p>
+          <a:p>
+            <a:endParaRPr lang="en-GB" sz="2400" dirty="0">
+              <a:solidFill>
+                <a:schemeClr val="accent2"/>
+              </a:solidFill>
+            </a:endParaRPr>
+          </a:p>
+          <a:p>
+            <a:endParaRPr lang="en-GB" sz="2400" dirty="0">
+              <a:solidFill>
+                <a:schemeClr val="accent2"/>
+              </a:solidFill>
+            </a:endParaRPr>
+          </a:p>
+          <a:p>
+            <a:endParaRPr lang="en-GB" sz="2400" b="1" dirty="0"/>
+          </a:p>
+        </p:txBody>
+      </p:sp>
+      <p:sp>
+        <p:nvSpPr>
+          <p:cNvPr id="9" name="Isosceles Triangle 6">
+            <a:extLst>
+              <a:ext uri="{FF2B5EF4-FFF2-40B4-BE49-F238E27FC236}">
+                <a16:creationId xmlns:a16="http://schemas.microsoft.com/office/drawing/2014/main" id="{C8A477D7-37D5-C571-F295-169D7D1718A1}"/>
+              </a:ext>
+            </a:extLst>
+          </p:cNvPr>
+          <p:cNvSpPr/>
+          <p:nvPr/>
+        </p:nvSpPr>
+        <p:spPr>
+          <a:xfrm rot="5400000">
+            <a:off x="348693" y="1787158"/>
+            <a:ext cx="457812" cy="394666"/>
+          </a:xfrm>
+          <a:prstGeom prst="triangle">
+            <a:avLst/>
+          </a:prstGeom>
+          <a:solidFill>
+            <a:srgbClr val="00ACE6"/>
+          </a:solidFill>
+          <a:ln>
+            <a:noFill/>
+          </a:ln>
+        </p:spPr>
+        <p:style>
+          <a:lnRef idx="2">
+            <a:schemeClr val="accent1">
+              <a:shade val="50000"/>
+            </a:schemeClr>
+          </a:lnRef>
+          <a:fillRef idx="1">
+            <a:schemeClr val="accent1"/>
+          </a:fillRef>
+          <a:effectRef idx="0">
+            <a:schemeClr val="accent1"/>
+          </a:effectRef>
+          <a:fontRef idx="minor">
+            <a:schemeClr val="lt1"/>
+          </a:fontRef>
+        </p:style>
+        <p:txBody>
+          <a:bodyPr rtlCol="0" anchor="ctr"/>
+          <a:lstStyle/>
+          <a:p>
+            <a:pPr algn="ctr"/>
+            <a:endParaRPr lang="tr-TR"/>
+          </a:p>
+        </p:txBody>
+      </p:sp>
+    </p:spTree>
+    <p:extLst>
+      <p:ext uri="{BB962C8B-B14F-4D97-AF65-F5344CB8AC3E}">
+        <p14:creationId xmlns:p14="http://schemas.microsoft.com/office/powerpoint/2010/main" val="2352253443"/>
+      </p:ext>
+    </p:extLst>
+  </p:cSld>
+  <p:clrMapOvr>
+    <a:masterClrMapping/>
+  </p:clrMapOvr>
+</p:sld>
+</file>
+
 <file path=ppt/slides/slide2.xml><?xml version="1.0" encoding="utf-8"?>
 <p:sld xmlns:a="http://schemas.openxmlformats.org/drawingml/2006/main" xmlns:r="http://schemas.openxmlformats.org/officeDocument/2006/relationships" xmlns:p="http://schemas.openxmlformats.org/presentationml/2006/main">
   <p:cSld>
@@ -8047,6 +8803,1855 @@
       <p:bldP spid="10" grpId="0" animBg="1"/>
     </p:bldLst>
   </p:timing>
+</p:sld>
+</file>
+
+<file path=ppt/slides/slide7.xml><?xml version="1.0" encoding="utf-8"?>
+<p:sld xmlns:a="http://schemas.openxmlformats.org/drawingml/2006/main" xmlns:r="http://schemas.openxmlformats.org/officeDocument/2006/relationships" xmlns:p="http://schemas.openxmlformats.org/presentationml/2006/main">
+  <p:cSld>
+    <p:spTree>
+      <p:nvGrpSpPr>
+        <p:cNvPr id="1" name=""/>
+        <p:cNvGrpSpPr/>
+        <p:nvPr/>
+      </p:nvGrpSpPr>
+      <p:grpSpPr>
+        <a:xfrm>
+          <a:off x="0" y="0"/>
+          <a:ext cx="0" cy="0"/>
+          <a:chOff x="0" y="0"/>
+          <a:chExt cx="0" cy="0"/>
+        </a:xfrm>
+      </p:grpSpPr>
+      <p:sp>
+        <p:nvSpPr>
+          <p:cNvPr id="2" name="Rectangle 1"/>
+          <p:cNvSpPr/>
+          <p:nvPr/>
+        </p:nvSpPr>
+        <p:spPr>
+          <a:xfrm>
+            <a:off x="0" y="2"/>
+            <a:ext cx="12192000" cy="1296364"/>
+          </a:xfrm>
+          <a:prstGeom prst="rect">
+            <a:avLst/>
+          </a:prstGeom>
+          <a:solidFill>
+            <a:srgbClr val="00ACE6"/>
+          </a:solidFill>
+          <a:ln>
+            <a:noFill/>
+          </a:ln>
+        </p:spPr>
+        <p:style>
+          <a:lnRef idx="2">
+            <a:schemeClr val="accent1">
+              <a:shade val="50000"/>
+            </a:schemeClr>
+          </a:lnRef>
+          <a:fillRef idx="1">
+            <a:schemeClr val="accent1"/>
+          </a:fillRef>
+          <a:effectRef idx="0">
+            <a:schemeClr val="accent1"/>
+          </a:effectRef>
+          <a:fontRef idx="minor">
+            <a:schemeClr val="lt1"/>
+          </a:fontRef>
+        </p:style>
+        <p:txBody>
+          <a:bodyPr rtlCol="0" anchor="ctr"/>
+          <a:lstStyle/>
+          <a:p>
+            <a:r>
+              <a:rPr lang="en-GB" sz="4800" b="1" dirty="0" err="1"/>
+              <a:t>environment_changes</a:t>
+            </a:r>
+            <a:endParaRPr lang="en-GB" sz="4800" b="1" dirty="0"/>
+          </a:p>
+        </p:txBody>
+      </p:sp>
+      <p:sp>
+        <p:nvSpPr>
+          <p:cNvPr id="14" name="TextBox 13"/>
+          <p:cNvSpPr txBox="1"/>
+          <p:nvPr/>
+        </p:nvSpPr>
+        <p:spPr>
+          <a:xfrm>
+            <a:off x="1061012" y="1462072"/>
+            <a:ext cx="10069975" cy="6001643"/>
+          </a:xfrm>
+          <a:prstGeom prst="rect">
+            <a:avLst/>
+          </a:prstGeom>
+          <a:noFill/>
+        </p:spPr>
+        <p:txBody>
+          <a:bodyPr wrap="square" rtlCol="0">
+            <a:spAutoFit/>
+          </a:bodyPr>
+          <a:lstStyle/>
+          <a:p>
+            <a:r>
+              <a:rPr lang="en-GB" sz="2400" b="1" dirty="0"/>
+              <a:t>Purpose</a:t>
+            </a:r>
+          </a:p>
+          <a:p>
+            <a:endParaRPr lang="en-GB" sz="2400" b="1" dirty="0"/>
+          </a:p>
+          <a:p>
+            <a:r>
+              <a:rPr lang="en-GB" sz="2400" dirty="0"/>
+              <a:t>Modify the environment defined by the </a:t>
+            </a:r>
+            <a:r>
+              <a:rPr lang="en-GB" sz="2400" dirty="0">
+                <a:solidFill>
+                  <a:srgbClr val="ED7D31"/>
+                </a:solidFill>
+              </a:rPr>
+              <a:t>machine file </a:t>
+            </a:r>
+            <a:r>
+              <a:rPr lang="en-GB" sz="2400" dirty="0"/>
+              <a:t>in any </a:t>
+            </a:r>
+            <a:r>
+              <a:rPr lang="en-GB" sz="2400" dirty="0">
+                <a:solidFill>
+                  <a:srgbClr val="ED7D31"/>
+                </a:solidFill>
+              </a:rPr>
+              <a:t>section</a:t>
+            </a:r>
+            <a:r>
+              <a:rPr lang="en-GB" sz="2400" dirty="0"/>
+              <a:t> of other </a:t>
+            </a:r>
+            <a:r>
+              <a:rPr lang="en-GB" sz="2400" dirty="0">
+                <a:solidFill>
+                  <a:srgbClr val="ED7D31"/>
+                </a:solidFill>
+              </a:rPr>
+              <a:t>configuration files </a:t>
+            </a:r>
+            <a:r>
+              <a:rPr lang="en-GB" sz="2400" dirty="0"/>
+              <a:t>or in the </a:t>
+            </a:r>
+            <a:r>
+              <a:rPr lang="en-GB" sz="2400" dirty="0" err="1">
+                <a:solidFill>
+                  <a:srgbClr val="ED7D31"/>
+                </a:solidFill>
+              </a:rPr>
+              <a:t>runscript</a:t>
+            </a:r>
+            <a:r>
+              <a:rPr lang="en-GB" sz="2400" dirty="0"/>
+              <a:t>.</a:t>
+            </a:r>
+            <a:endParaRPr lang="en-GB" sz="2400" dirty="0">
+              <a:solidFill>
+                <a:srgbClr val="ED7D31"/>
+              </a:solidFill>
+            </a:endParaRPr>
+          </a:p>
+          <a:p>
+            <a:endParaRPr lang="en-US" sz="2400" dirty="0"/>
+          </a:p>
+          <a:p>
+            <a:r>
+              <a:rPr lang="en-US" sz="2400" b="1" dirty="0"/>
+              <a:t>Syntax</a:t>
+            </a:r>
+          </a:p>
+          <a:p>
+            <a:endParaRPr lang="en-US" sz="2400" dirty="0"/>
+          </a:p>
+          <a:p>
+            <a:r>
+              <a:rPr lang="en-US" sz="2400" dirty="0"/>
+              <a:t>Define one of the following dictionaries in any </a:t>
+            </a:r>
+            <a:r>
+              <a:rPr lang="en-US" sz="2400" dirty="0">
+                <a:solidFill>
+                  <a:srgbClr val="ED7D31"/>
+                </a:solidFill>
+              </a:rPr>
+              <a:t>section</a:t>
+            </a:r>
+            <a:r>
+              <a:rPr lang="en-US" sz="2400" dirty="0"/>
+              <a:t> of any </a:t>
+            </a:r>
+            <a:r>
+              <a:rPr lang="en-US" sz="2400" dirty="0" err="1"/>
+              <a:t>yaml</a:t>
+            </a:r>
+            <a:r>
+              <a:rPr lang="en-US" sz="2400" dirty="0"/>
+              <a:t> file (except the </a:t>
+            </a:r>
+            <a:r>
+              <a:rPr lang="en-US" sz="2400" dirty="0">
+                <a:solidFill>
+                  <a:srgbClr val="ED7D31"/>
+                </a:solidFill>
+              </a:rPr>
+              <a:t>machine</a:t>
+            </a:r>
+            <a:r>
+              <a:rPr lang="en-US" sz="2400" dirty="0"/>
+              <a:t> </a:t>
+            </a:r>
+            <a:r>
+              <a:rPr lang="en-US" sz="2400" dirty="0" err="1"/>
+              <a:t>yamls</a:t>
+            </a:r>
+            <a:r>
+              <a:rPr lang="en-US" sz="2400" dirty="0"/>
+              <a:t>):</a:t>
+            </a:r>
+          </a:p>
+          <a:p>
+            <a:pPr marL="342900" indent="-342900">
+              <a:buFont typeface="Arial" panose="020B0604020202020204" pitchFamily="34" charset="0"/>
+              <a:buChar char="•"/>
+            </a:pPr>
+            <a:r>
+              <a:rPr lang="en-US" sz="2400" dirty="0" err="1">
+                <a:solidFill>
+                  <a:srgbClr val="ED7D31"/>
+                </a:solidFill>
+              </a:rPr>
+              <a:t>environment_changes</a:t>
+            </a:r>
+            <a:r>
+              <a:rPr lang="en-US" sz="2400" dirty="0"/>
+              <a:t> (applied for both compilation and run time)</a:t>
+            </a:r>
+          </a:p>
+          <a:p>
+            <a:pPr marL="342900" indent="-342900">
+              <a:buFont typeface="Arial" panose="020B0604020202020204" pitchFamily="34" charset="0"/>
+              <a:buChar char="•"/>
+            </a:pPr>
+            <a:r>
+              <a:rPr lang="en-US" sz="2400" dirty="0" err="1">
+                <a:solidFill>
+                  <a:srgbClr val="ED7D31"/>
+                </a:solidFill>
+              </a:rPr>
+              <a:t>compiletime_environment_changes</a:t>
+            </a:r>
+            <a:r>
+              <a:rPr lang="en-US" sz="2400" dirty="0">
+                <a:solidFill>
+                  <a:srgbClr val="ED7D31"/>
+                </a:solidFill>
+              </a:rPr>
+              <a:t> </a:t>
+            </a:r>
+            <a:r>
+              <a:rPr lang="en-US" sz="2400" dirty="0"/>
+              <a:t>(only for compilation)</a:t>
+            </a:r>
+          </a:p>
+          <a:p>
+            <a:pPr marL="342900" indent="-342900">
+              <a:buFont typeface="Arial" panose="020B0604020202020204" pitchFamily="34" charset="0"/>
+              <a:buChar char="•"/>
+            </a:pPr>
+            <a:r>
+              <a:rPr lang="en-US" sz="2400" dirty="0" err="1">
+                <a:solidFill>
+                  <a:srgbClr val="ED7D31"/>
+                </a:solidFill>
+              </a:rPr>
+              <a:t>runtime_environment_changes</a:t>
+            </a:r>
+            <a:r>
+              <a:rPr lang="en-US" sz="2400" dirty="0">
+                <a:solidFill>
+                  <a:srgbClr val="ED7D31"/>
+                </a:solidFill>
+              </a:rPr>
+              <a:t> </a:t>
+            </a:r>
+            <a:r>
+              <a:rPr lang="en-US" sz="2400" dirty="0"/>
+              <a:t>(only during run time)</a:t>
+            </a:r>
+            <a:endParaRPr lang="en-GB" sz="2400" dirty="0"/>
+          </a:p>
+          <a:p>
+            <a:endParaRPr lang="en-GB" sz="2400" dirty="0">
+              <a:solidFill>
+                <a:schemeClr val="accent2"/>
+              </a:solidFill>
+            </a:endParaRPr>
+          </a:p>
+          <a:p>
+            <a:endParaRPr lang="en-GB" sz="2400" dirty="0">
+              <a:solidFill>
+                <a:schemeClr val="accent2"/>
+              </a:solidFill>
+            </a:endParaRPr>
+          </a:p>
+          <a:p>
+            <a:endParaRPr lang="en-GB" sz="2400" dirty="0">
+              <a:solidFill>
+                <a:schemeClr val="accent2"/>
+              </a:solidFill>
+            </a:endParaRPr>
+          </a:p>
+          <a:p>
+            <a:endParaRPr lang="en-GB" sz="2400" b="1" dirty="0"/>
+          </a:p>
+        </p:txBody>
+      </p:sp>
+      <p:sp>
+        <p:nvSpPr>
+          <p:cNvPr id="9" name="Isosceles Triangle 6">
+            <a:extLst>
+              <a:ext uri="{FF2B5EF4-FFF2-40B4-BE49-F238E27FC236}">
+                <a16:creationId xmlns:a16="http://schemas.microsoft.com/office/drawing/2014/main" id="{C8A477D7-37D5-C571-F295-169D7D1718A1}"/>
+              </a:ext>
+            </a:extLst>
+          </p:cNvPr>
+          <p:cNvSpPr/>
+          <p:nvPr/>
+        </p:nvSpPr>
+        <p:spPr>
+          <a:xfrm rot="5400000">
+            <a:off x="348693" y="1504934"/>
+            <a:ext cx="457812" cy="394666"/>
+          </a:xfrm>
+          <a:prstGeom prst="triangle">
+            <a:avLst/>
+          </a:prstGeom>
+          <a:solidFill>
+            <a:srgbClr val="00ACE6"/>
+          </a:solidFill>
+          <a:ln>
+            <a:noFill/>
+          </a:ln>
+        </p:spPr>
+        <p:style>
+          <a:lnRef idx="2">
+            <a:schemeClr val="accent1">
+              <a:shade val="50000"/>
+            </a:schemeClr>
+          </a:lnRef>
+          <a:fillRef idx="1">
+            <a:schemeClr val="accent1"/>
+          </a:fillRef>
+          <a:effectRef idx="0">
+            <a:schemeClr val="accent1"/>
+          </a:effectRef>
+          <a:fontRef idx="minor">
+            <a:schemeClr val="lt1"/>
+          </a:fontRef>
+        </p:style>
+        <p:txBody>
+          <a:bodyPr rtlCol="0" anchor="ctr"/>
+          <a:lstStyle/>
+          <a:p>
+            <a:pPr algn="ctr"/>
+            <a:endParaRPr lang="tr-TR"/>
+          </a:p>
+        </p:txBody>
+      </p:sp>
+      <p:sp>
+        <p:nvSpPr>
+          <p:cNvPr id="10" name="Isosceles Triangle 6">
+            <a:extLst>
+              <a:ext uri="{FF2B5EF4-FFF2-40B4-BE49-F238E27FC236}">
+                <a16:creationId xmlns:a16="http://schemas.microsoft.com/office/drawing/2014/main" id="{0876820C-C0A9-7265-847D-AA42C0D4E9CA}"/>
+              </a:ext>
+            </a:extLst>
+          </p:cNvPr>
+          <p:cNvSpPr/>
+          <p:nvPr/>
+        </p:nvSpPr>
+        <p:spPr>
+          <a:xfrm rot="5400000">
+            <a:off x="348693" y="3371003"/>
+            <a:ext cx="457812" cy="394666"/>
+          </a:xfrm>
+          <a:prstGeom prst="triangle">
+            <a:avLst/>
+          </a:prstGeom>
+          <a:solidFill>
+            <a:srgbClr val="00ACE6"/>
+          </a:solidFill>
+          <a:ln>
+            <a:noFill/>
+          </a:ln>
+        </p:spPr>
+        <p:style>
+          <a:lnRef idx="2">
+            <a:schemeClr val="accent1">
+              <a:shade val="50000"/>
+            </a:schemeClr>
+          </a:lnRef>
+          <a:fillRef idx="1">
+            <a:schemeClr val="accent1"/>
+          </a:fillRef>
+          <a:effectRef idx="0">
+            <a:schemeClr val="accent1"/>
+          </a:effectRef>
+          <a:fontRef idx="minor">
+            <a:schemeClr val="lt1"/>
+          </a:fontRef>
+        </p:style>
+        <p:txBody>
+          <a:bodyPr rtlCol="0" anchor="ctr"/>
+          <a:lstStyle/>
+          <a:p>
+            <a:pPr algn="ctr"/>
+            <a:endParaRPr lang="tr-TR"/>
+          </a:p>
+        </p:txBody>
+      </p:sp>
+      <p:sp>
+        <p:nvSpPr>
+          <p:cNvPr id="11" name="TextBox 10">
+            <a:extLst>
+              <a:ext uri="{FF2B5EF4-FFF2-40B4-BE49-F238E27FC236}">
+                <a16:creationId xmlns:a16="http://schemas.microsoft.com/office/drawing/2014/main" id="{E47C5502-2FD6-321E-7D13-CD47482D6EA0}"/>
+              </a:ext>
+            </a:extLst>
+          </p:cNvPr>
+          <p:cNvSpPr txBox="1"/>
+          <p:nvPr/>
+        </p:nvSpPr>
+        <p:spPr>
+          <a:xfrm>
+            <a:off x="8894925" y="5395928"/>
+            <a:ext cx="3127741" cy="1323439"/>
+          </a:xfrm>
+          <a:prstGeom prst="rect">
+            <a:avLst/>
+          </a:prstGeom>
+          <a:solidFill>
+            <a:schemeClr val="accent2">
+              <a:lumMod val="40000"/>
+              <a:lumOff val="60000"/>
+            </a:schemeClr>
+          </a:solidFill>
+          <a:ln>
+            <a:noFill/>
+          </a:ln>
+        </p:spPr>
+        <p:txBody>
+          <a:bodyPr wrap="square" rtlCol="0">
+            <a:spAutoFit/>
+          </a:bodyPr>
+          <a:lstStyle/>
+          <a:p>
+            <a:r>
+              <a:rPr lang="en-GB" sz="1600" b="1" dirty="0"/>
+              <a:t>Note</a:t>
+            </a:r>
+            <a:r>
+              <a:rPr lang="en-GB" sz="1600" dirty="0"/>
+              <a:t>: this whole syntax might change in the  coming year, to a more simple approach (i.e. </a:t>
+            </a:r>
+            <a:r>
+              <a:rPr lang="en-GB" sz="1600" b="1" dirty="0"/>
+              <a:t>computer</a:t>
+            </a:r>
+            <a:r>
+              <a:rPr lang="en-GB" sz="1600" dirty="0"/>
+              <a:t> section is used, instead of </a:t>
+            </a:r>
+            <a:r>
+              <a:rPr lang="en-GB" sz="1600" b="1" dirty="0" err="1"/>
+              <a:t>environment_changes</a:t>
+            </a:r>
+            <a:r>
+              <a:rPr lang="en-GB" sz="1600" dirty="0"/>
+              <a:t>)</a:t>
+            </a:r>
+            <a:endParaRPr lang="en-GB" sz="1600" b="1" dirty="0"/>
+          </a:p>
+        </p:txBody>
+      </p:sp>
+    </p:spTree>
+    <p:extLst>
+      <p:ext uri="{BB962C8B-B14F-4D97-AF65-F5344CB8AC3E}">
+        <p14:creationId xmlns:p14="http://schemas.microsoft.com/office/powerpoint/2010/main" val="1036046815"/>
+      </p:ext>
+    </p:extLst>
+  </p:cSld>
+  <p:clrMapOvr>
+    <a:masterClrMapping/>
+  </p:clrMapOvr>
+  <p:timing>
+    <p:tnLst>
+      <p:par>
+        <p:cTn id="1" dur="indefinite" restart="never" nodeType="tmRoot">
+          <p:childTnLst>
+            <p:seq concurrent="1" nextAc="seek">
+              <p:cTn id="2" dur="indefinite" nodeType="mainSeq">
+                <p:childTnLst>
+                  <p:par>
+                    <p:cTn id="3" fill="hold">
+                      <p:stCondLst>
+                        <p:cond delay="indefinite"/>
+                        <p:cond evt="onBegin" delay="0">
+                          <p:tn val="2"/>
+                        </p:cond>
+                      </p:stCondLst>
+                      <p:childTnLst>
+                        <p:par>
+                          <p:cTn id="4" fill="hold">
+                            <p:stCondLst>
+                              <p:cond delay="0"/>
+                            </p:stCondLst>
+                            <p:childTnLst>
+                              <p:par>
+                                <p:cTn id="5" presetID="1" presetClass="entr" presetSubtype="0" fill="hold" grpId="0" nodeType="withEffect">
+                                  <p:stCondLst>
+                                    <p:cond delay="0"/>
+                                  </p:stCondLst>
+                                  <p:childTnLst>
+                                    <p:set>
+                                      <p:cBhvr>
+                                        <p:cTn id="6" dur="1" fill="hold">
+                                          <p:stCondLst>
+                                            <p:cond delay="0"/>
+                                          </p:stCondLst>
+                                        </p:cTn>
+                                        <p:tgtEl>
+                                          <p:spTgt spid="11"/>
+                                        </p:tgtEl>
+                                        <p:attrNameLst>
+                                          <p:attrName>style.visibility</p:attrName>
+                                        </p:attrNameLst>
+                                      </p:cBhvr>
+                                      <p:to>
+                                        <p:strVal val="visible"/>
+                                      </p:to>
+                                    </p:set>
+                                  </p:childTnLst>
+                                </p:cTn>
+                              </p:par>
+                            </p:childTnLst>
+                          </p:cTn>
+                        </p:par>
+                      </p:childTnLst>
+                    </p:cTn>
+                  </p:par>
+                  <p:par>
+                    <p:cTn id="7" fill="hold">
+                      <p:stCondLst>
+                        <p:cond delay="indefinite"/>
+                      </p:stCondLst>
+                      <p:childTnLst>
+                        <p:par>
+                          <p:cTn id="8" fill="hold">
+                            <p:stCondLst>
+                              <p:cond delay="0"/>
+                            </p:stCondLst>
+                            <p:childTnLst>
+                              <p:par>
+                                <p:cTn id="9" presetID="1" presetClass="entr" presetSubtype="0" fill="hold" grpId="1" nodeType="clickEffect">
+                                  <p:stCondLst>
+                                    <p:cond delay="0"/>
+                                  </p:stCondLst>
+                                  <p:childTnLst>
+                                    <p:set>
+                                      <p:cBhvr>
+                                        <p:cTn id="10" dur="1" fill="hold">
+                                          <p:stCondLst>
+                                            <p:cond delay="0"/>
+                                          </p:stCondLst>
+                                        </p:cTn>
+                                        <p:tgtEl>
+                                          <p:spTgt spid="11"/>
+                                        </p:tgtEl>
+                                        <p:attrNameLst>
+                                          <p:attrName>style.visibility</p:attrName>
+                                        </p:attrNameLst>
+                                      </p:cBhvr>
+                                      <p:to>
+                                        <p:strVal val="visible"/>
+                                      </p:to>
+                                    </p:set>
+                                  </p:childTnLst>
+                                </p:cTn>
+                              </p:par>
+                            </p:childTnLst>
+                          </p:cTn>
+                        </p:par>
+                      </p:childTnLst>
+                    </p:cTn>
+                  </p:par>
+                </p:childTnLst>
+              </p:cTn>
+              <p:prevCondLst>
+                <p:cond evt="onPrev" delay="0">
+                  <p:tgtEl>
+                    <p:sldTgt/>
+                  </p:tgtEl>
+                </p:cond>
+              </p:prevCondLst>
+              <p:nextCondLst>
+                <p:cond evt="onNext" delay="0">
+                  <p:tgtEl>
+                    <p:sldTgt/>
+                  </p:tgtEl>
+                </p:cond>
+              </p:nextCondLst>
+            </p:seq>
+          </p:childTnLst>
+        </p:cTn>
+      </p:par>
+    </p:tnLst>
+    <p:bldLst>
+      <p:bldP spid="11" grpId="0" animBg="1"/>
+      <p:bldP spid="11" grpId="1" animBg="1"/>
+    </p:bldLst>
+  </p:timing>
+</p:sld>
+</file>
+
+<file path=ppt/slides/slide8.xml><?xml version="1.0" encoding="utf-8"?>
+<p:sld xmlns:a="http://schemas.openxmlformats.org/drawingml/2006/main" xmlns:r="http://schemas.openxmlformats.org/officeDocument/2006/relationships" xmlns:p="http://schemas.openxmlformats.org/presentationml/2006/main">
+  <p:cSld>
+    <p:spTree>
+      <p:nvGrpSpPr>
+        <p:cNvPr id="1" name=""/>
+        <p:cNvGrpSpPr/>
+        <p:nvPr/>
+      </p:nvGrpSpPr>
+      <p:grpSpPr>
+        <a:xfrm>
+          <a:off x="0" y="0"/>
+          <a:ext cx="0" cy="0"/>
+          <a:chOff x="0" y="0"/>
+          <a:chExt cx="0" cy="0"/>
+        </a:xfrm>
+      </p:grpSpPr>
+      <p:sp>
+        <p:nvSpPr>
+          <p:cNvPr id="2" name="Rectangle 1"/>
+          <p:cNvSpPr/>
+          <p:nvPr/>
+        </p:nvSpPr>
+        <p:spPr>
+          <a:xfrm>
+            <a:off x="0" y="2"/>
+            <a:ext cx="12192000" cy="1296364"/>
+          </a:xfrm>
+          <a:prstGeom prst="rect">
+            <a:avLst/>
+          </a:prstGeom>
+          <a:solidFill>
+            <a:srgbClr val="00ACE6"/>
+          </a:solidFill>
+          <a:ln>
+            <a:noFill/>
+          </a:ln>
+        </p:spPr>
+        <p:style>
+          <a:lnRef idx="2">
+            <a:schemeClr val="accent1">
+              <a:shade val="50000"/>
+            </a:schemeClr>
+          </a:lnRef>
+          <a:fillRef idx="1">
+            <a:schemeClr val="accent1"/>
+          </a:fillRef>
+          <a:effectRef idx="0">
+            <a:schemeClr val="accent1"/>
+          </a:effectRef>
+          <a:fontRef idx="minor">
+            <a:schemeClr val="lt1"/>
+          </a:fontRef>
+        </p:style>
+        <p:txBody>
+          <a:bodyPr rtlCol="0" anchor="ctr"/>
+          <a:lstStyle/>
+          <a:p>
+            <a:r>
+              <a:rPr lang="en-GB" sz="4800" b="1" dirty="0" err="1"/>
+              <a:t>environment_changes</a:t>
+            </a:r>
+            <a:endParaRPr lang="en-GB" sz="4800" b="1" dirty="0"/>
+          </a:p>
+        </p:txBody>
+      </p:sp>
+      <p:sp>
+        <p:nvSpPr>
+          <p:cNvPr id="14" name="TextBox 13"/>
+          <p:cNvSpPr txBox="1"/>
+          <p:nvPr/>
+        </p:nvSpPr>
+        <p:spPr>
+          <a:xfrm>
+            <a:off x="1061012" y="1462072"/>
+            <a:ext cx="10069975" cy="5632311"/>
+          </a:xfrm>
+          <a:prstGeom prst="rect">
+            <a:avLst/>
+          </a:prstGeom>
+          <a:noFill/>
+        </p:spPr>
+        <p:txBody>
+          <a:bodyPr wrap="square" rtlCol="0">
+            <a:spAutoFit/>
+          </a:bodyPr>
+          <a:lstStyle/>
+          <a:p>
+            <a:r>
+              <a:rPr lang="en-US" sz="2400" b="1" dirty="0"/>
+              <a:t>Syntax</a:t>
+            </a:r>
+          </a:p>
+          <a:p>
+            <a:endParaRPr lang="en-US" sz="2400" dirty="0"/>
+          </a:p>
+          <a:p>
+            <a:r>
+              <a:rPr lang="en-GB" sz="2400" dirty="0"/>
+              <a:t>The </a:t>
+            </a:r>
+            <a:r>
+              <a:rPr lang="en-GB" sz="2400" dirty="0" err="1">
+                <a:solidFill>
+                  <a:srgbClr val="ED7D31"/>
+                </a:solidFill>
+              </a:rPr>
+              <a:t>environment_changes</a:t>
+            </a:r>
+            <a:r>
+              <a:rPr lang="en-GB" sz="2400" dirty="0"/>
+              <a:t> dictionaries can contain:</a:t>
+            </a:r>
+          </a:p>
+          <a:p>
+            <a:pPr marL="342900" indent="-342900">
+              <a:buFont typeface="Arial" panose="020B0604020202020204" pitchFamily="34" charset="0"/>
+              <a:buChar char="•"/>
+            </a:pPr>
+            <a:r>
+              <a:rPr lang="en-GB" sz="2400" dirty="0" err="1">
+                <a:solidFill>
+                  <a:srgbClr val="ED7D31"/>
+                </a:solidFill>
+              </a:rPr>
+              <a:t>add_module_actions</a:t>
+            </a:r>
+            <a:r>
+              <a:rPr lang="en-GB" sz="2400" dirty="0"/>
+              <a:t>: to expand the </a:t>
+            </a:r>
+            <a:r>
+              <a:rPr lang="en-GB" sz="2400" dirty="0" err="1">
+                <a:solidFill>
+                  <a:srgbClr val="ED7D31"/>
+                </a:solidFill>
+              </a:rPr>
+              <a:t>module_actions</a:t>
+            </a:r>
+            <a:r>
+              <a:rPr lang="en-GB" sz="2400" dirty="0"/>
+              <a:t> list in the &lt;</a:t>
+            </a:r>
+            <a:r>
+              <a:rPr lang="en-GB" sz="2400" dirty="0">
+                <a:solidFill>
+                  <a:srgbClr val="ED7D31"/>
+                </a:solidFill>
+              </a:rPr>
+              <a:t>machine</a:t>
+            </a:r>
+            <a:r>
+              <a:rPr lang="en-GB" sz="2400" dirty="0"/>
+              <a:t>&gt;</a:t>
+            </a:r>
+            <a:r>
+              <a:rPr lang="en-GB" sz="2400" dirty="0">
+                <a:solidFill>
+                  <a:srgbClr val="ED7D31"/>
+                </a:solidFill>
+              </a:rPr>
+              <a:t>.</a:t>
+            </a:r>
+            <a:r>
+              <a:rPr lang="en-GB" sz="2400" dirty="0" err="1">
+                <a:solidFill>
+                  <a:srgbClr val="ED7D31"/>
+                </a:solidFill>
+              </a:rPr>
+              <a:t>yaml</a:t>
+            </a:r>
+            <a:endParaRPr lang="en-GB" sz="2400" dirty="0">
+              <a:solidFill>
+                <a:srgbClr val="ED7D31"/>
+              </a:solidFill>
+            </a:endParaRPr>
+          </a:p>
+          <a:p>
+            <a:pPr marL="342900" indent="-342900">
+              <a:buFont typeface="Arial" panose="020B0604020202020204" pitchFamily="34" charset="0"/>
+              <a:buChar char="•"/>
+            </a:pPr>
+            <a:r>
+              <a:rPr lang="en-GB" sz="2400" dirty="0" err="1">
+                <a:solidFill>
+                  <a:srgbClr val="ED7D31"/>
+                </a:solidFill>
+              </a:rPr>
+              <a:t>add_export_vars</a:t>
+            </a:r>
+            <a:r>
+              <a:rPr lang="en-GB" sz="2400" dirty="0"/>
+              <a:t>: to expand the </a:t>
+            </a:r>
+            <a:r>
+              <a:rPr lang="en-GB" sz="2400" dirty="0" err="1">
+                <a:solidFill>
+                  <a:srgbClr val="ED7D31"/>
+                </a:solidFill>
+              </a:rPr>
+              <a:t>export_vars</a:t>
+            </a:r>
+            <a:r>
+              <a:rPr lang="en-GB" sz="2400" dirty="0">
+                <a:solidFill>
+                  <a:srgbClr val="ED7D31"/>
+                </a:solidFill>
+              </a:rPr>
+              <a:t> </a:t>
+            </a:r>
+            <a:r>
+              <a:rPr lang="en-GB" sz="2400" dirty="0"/>
+              <a:t>dictionary in the &lt;</a:t>
+            </a:r>
+            <a:r>
+              <a:rPr lang="en-GB" sz="2400" dirty="0">
+                <a:solidFill>
+                  <a:srgbClr val="ED7D31"/>
+                </a:solidFill>
+              </a:rPr>
+              <a:t>machine</a:t>
+            </a:r>
+            <a:r>
+              <a:rPr lang="en-GB" sz="2400" dirty="0"/>
+              <a:t>&gt;</a:t>
+            </a:r>
+            <a:r>
+              <a:rPr lang="en-GB" sz="2400" dirty="0">
+                <a:solidFill>
+                  <a:srgbClr val="ED7D31"/>
+                </a:solidFill>
+              </a:rPr>
+              <a:t>.</a:t>
+            </a:r>
+            <a:r>
+              <a:rPr lang="en-GB" sz="2400" dirty="0" err="1">
+                <a:solidFill>
+                  <a:srgbClr val="ED7D31"/>
+                </a:solidFill>
+              </a:rPr>
+              <a:t>yaml</a:t>
+            </a:r>
+            <a:r>
+              <a:rPr lang="en-GB" sz="2400" dirty="0">
+                <a:solidFill>
+                  <a:srgbClr val="ED7D31"/>
+                </a:solidFill>
+              </a:rPr>
+              <a:t> </a:t>
+            </a:r>
+            <a:r>
+              <a:rPr lang="en-GB" sz="2400" dirty="0"/>
+              <a:t>(redundant variables will be overwritten by the highest file in the hierarchy)</a:t>
+            </a:r>
+          </a:p>
+          <a:p>
+            <a:pPr marL="342900" indent="-342900">
+              <a:buFont typeface="Arial" panose="020B0604020202020204" pitchFamily="34" charset="0"/>
+              <a:buChar char="•"/>
+            </a:pPr>
+            <a:r>
+              <a:rPr lang="en-GB" sz="2400" dirty="0"/>
+              <a:t>Any other variable or </a:t>
+            </a:r>
+            <a:r>
+              <a:rPr lang="en-GB" sz="2400" dirty="0">
+                <a:solidFill>
+                  <a:schemeClr val="accent2"/>
+                </a:solidFill>
+              </a:rPr>
+              <a:t>choose</a:t>
+            </a:r>
+            <a:r>
+              <a:rPr lang="en-GB" sz="2400" dirty="0"/>
+              <a:t> to be resolved at the environment stage (i.e. select a MPI configuration for an MPI </a:t>
+            </a:r>
+            <a:r>
+              <a:rPr lang="en-GB" sz="2400" dirty="0">
+                <a:solidFill>
+                  <a:schemeClr val="accent2"/>
+                </a:solidFill>
+              </a:rPr>
+              <a:t>choose</a:t>
+            </a:r>
+            <a:r>
+              <a:rPr lang="en-GB" sz="2400" dirty="0"/>
+              <a:t> inside the &lt;</a:t>
+            </a:r>
+            <a:r>
+              <a:rPr lang="en-GB" sz="2400" dirty="0">
+                <a:solidFill>
+                  <a:srgbClr val="ED7D31"/>
+                </a:solidFill>
+              </a:rPr>
+              <a:t>machine</a:t>
+            </a:r>
+            <a:r>
+              <a:rPr lang="en-GB" sz="2400" dirty="0"/>
+              <a:t>&gt;</a:t>
+            </a:r>
+            <a:r>
+              <a:rPr lang="en-GB" sz="2400" dirty="0">
+                <a:solidFill>
+                  <a:srgbClr val="ED7D31"/>
+                </a:solidFill>
+              </a:rPr>
+              <a:t>.</a:t>
+            </a:r>
+            <a:r>
+              <a:rPr lang="en-GB" sz="2400" dirty="0" err="1">
+                <a:solidFill>
+                  <a:srgbClr val="ED7D31"/>
+                </a:solidFill>
+              </a:rPr>
+              <a:t>yaml</a:t>
+            </a:r>
+            <a:r>
+              <a:rPr lang="en-GB" sz="2400" dirty="0"/>
+              <a:t>)</a:t>
+            </a:r>
+          </a:p>
+          <a:p>
+            <a:pPr marL="342900" indent="-342900">
+              <a:buFont typeface="Arial" panose="020B0604020202020204" pitchFamily="34" charset="0"/>
+              <a:buChar char="•"/>
+            </a:pPr>
+            <a:endParaRPr lang="en-GB" sz="2400" dirty="0">
+              <a:solidFill>
+                <a:srgbClr val="ED7D31"/>
+              </a:solidFill>
+            </a:endParaRPr>
+          </a:p>
+          <a:p>
+            <a:endParaRPr lang="en-GB" sz="2400" dirty="0">
+              <a:solidFill>
+                <a:schemeClr val="accent2"/>
+              </a:solidFill>
+            </a:endParaRPr>
+          </a:p>
+          <a:p>
+            <a:endParaRPr lang="en-GB" sz="2400" dirty="0">
+              <a:solidFill>
+                <a:schemeClr val="accent2"/>
+              </a:solidFill>
+            </a:endParaRPr>
+          </a:p>
+          <a:p>
+            <a:endParaRPr lang="en-GB" sz="2400" dirty="0">
+              <a:solidFill>
+                <a:schemeClr val="accent2"/>
+              </a:solidFill>
+            </a:endParaRPr>
+          </a:p>
+          <a:p>
+            <a:endParaRPr lang="en-GB" sz="2400" b="1" dirty="0"/>
+          </a:p>
+        </p:txBody>
+      </p:sp>
+      <p:sp>
+        <p:nvSpPr>
+          <p:cNvPr id="9" name="Isosceles Triangle 6">
+            <a:extLst>
+              <a:ext uri="{FF2B5EF4-FFF2-40B4-BE49-F238E27FC236}">
+                <a16:creationId xmlns:a16="http://schemas.microsoft.com/office/drawing/2014/main" id="{C8A477D7-37D5-C571-F295-169D7D1718A1}"/>
+              </a:ext>
+            </a:extLst>
+          </p:cNvPr>
+          <p:cNvSpPr/>
+          <p:nvPr/>
+        </p:nvSpPr>
+        <p:spPr>
+          <a:xfrm rot="5400000">
+            <a:off x="348693" y="1504934"/>
+            <a:ext cx="457812" cy="394666"/>
+          </a:xfrm>
+          <a:prstGeom prst="triangle">
+            <a:avLst/>
+          </a:prstGeom>
+          <a:solidFill>
+            <a:srgbClr val="00ACE6"/>
+          </a:solidFill>
+          <a:ln>
+            <a:noFill/>
+          </a:ln>
+        </p:spPr>
+        <p:style>
+          <a:lnRef idx="2">
+            <a:schemeClr val="accent1">
+              <a:shade val="50000"/>
+            </a:schemeClr>
+          </a:lnRef>
+          <a:fillRef idx="1">
+            <a:schemeClr val="accent1"/>
+          </a:fillRef>
+          <a:effectRef idx="0">
+            <a:schemeClr val="accent1"/>
+          </a:effectRef>
+          <a:fontRef idx="minor">
+            <a:schemeClr val="lt1"/>
+          </a:fontRef>
+        </p:style>
+        <p:txBody>
+          <a:bodyPr rtlCol="0" anchor="ctr"/>
+          <a:lstStyle/>
+          <a:p>
+            <a:pPr algn="ctr"/>
+            <a:endParaRPr lang="tr-TR"/>
+          </a:p>
+        </p:txBody>
+      </p:sp>
+    </p:spTree>
+    <p:extLst>
+      <p:ext uri="{BB962C8B-B14F-4D97-AF65-F5344CB8AC3E}">
+        <p14:creationId xmlns:p14="http://schemas.microsoft.com/office/powerpoint/2010/main" val="4072737956"/>
+      </p:ext>
+    </p:extLst>
+  </p:cSld>
+  <p:clrMapOvr>
+    <a:masterClrMapping/>
+  </p:clrMapOvr>
+</p:sld>
+</file>
+
+<file path=ppt/slides/slide9.xml><?xml version="1.0" encoding="utf-8"?>
+<p:sld xmlns:a="http://schemas.openxmlformats.org/drawingml/2006/main" xmlns:r="http://schemas.openxmlformats.org/officeDocument/2006/relationships" xmlns:p="http://schemas.openxmlformats.org/presentationml/2006/main">
+  <p:cSld>
+    <p:spTree>
+      <p:nvGrpSpPr>
+        <p:cNvPr id="1" name=""/>
+        <p:cNvGrpSpPr/>
+        <p:nvPr/>
+      </p:nvGrpSpPr>
+      <p:grpSpPr>
+        <a:xfrm>
+          <a:off x="0" y="0"/>
+          <a:ext cx="0" cy="0"/>
+          <a:chOff x="0" y="0"/>
+          <a:chExt cx="0" cy="0"/>
+        </a:xfrm>
+      </p:grpSpPr>
+      <p:sp>
+        <p:nvSpPr>
+          <p:cNvPr id="2" name="Rectangle 1"/>
+          <p:cNvSpPr/>
+          <p:nvPr/>
+        </p:nvSpPr>
+        <p:spPr>
+          <a:xfrm>
+            <a:off x="0" y="2"/>
+            <a:ext cx="12192000" cy="1296364"/>
+          </a:xfrm>
+          <a:prstGeom prst="rect">
+            <a:avLst/>
+          </a:prstGeom>
+          <a:solidFill>
+            <a:srgbClr val="00ACE6"/>
+          </a:solidFill>
+          <a:ln>
+            <a:noFill/>
+          </a:ln>
+        </p:spPr>
+        <p:style>
+          <a:lnRef idx="2">
+            <a:schemeClr val="accent1">
+              <a:shade val="50000"/>
+            </a:schemeClr>
+          </a:lnRef>
+          <a:fillRef idx="1">
+            <a:schemeClr val="accent1"/>
+          </a:fillRef>
+          <a:effectRef idx="0">
+            <a:schemeClr val="accent1"/>
+          </a:effectRef>
+          <a:fontRef idx="minor">
+            <a:schemeClr val="lt1"/>
+          </a:fontRef>
+        </p:style>
+        <p:txBody>
+          <a:bodyPr rtlCol="0" anchor="ctr"/>
+          <a:lstStyle/>
+          <a:p>
+            <a:r>
+              <a:rPr lang="en-GB" sz="4800" b="1" dirty="0" err="1"/>
+              <a:t>environment_changes</a:t>
+            </a:r>
+            <a:endParaRPr lang="en-GB" sz="4800" b="1" dirty="0"/>
+          </a:p>
+        </p:txBody>
+      </p:sp>
+      <p:sp>
+        <p:nvSpPr>
+          <p:cNvPr id="14" name="TextBox 13"/>
+          <p:cNvSpPr txBox="1"/>
+          <p:nvPr/>
+        </p:nvSpPr>
+        <p:spPr>
+          <a:xfrm>
+            <a:off x="1061012" y="1462072"/>
+            <a:ext cx="10069975" cy="2677656"/>
+          </a:xfrm>
+          <a:prstGeom prst="rect">
+            <a:avLst/>
+          </a:prstGeom>
+          <a:noFill/>
+        </p:spPr>
+        <p:txBody>
+          <a:bodyPr wrap="square" rtlCol="0">
+            <a:spAutoFit/>
+          </a:bodyPr>
+          <a:lstStyle/>
+          <a:p>
+            <a:r>
+              <a:rPr lang="en-US" sz="2400" b="1" dirty="0"/>
+              <a:t>Example</a:t>
+            </a:r>
+          </a:p>
+          <a:p>
+            <a:endParaRPr lang="en-US" sz="2400" dirty="0"/>
+          </a:p>
+          <a:p>
+            <a:endParaRPr lang="en-GB" sz="2400" dirty="0">
+              <a:solidFill>
+                <a:srgbClr val="ED7D31"/>
+              </a:solidFill>
+            </a:endParaRPr>
+          </a:p>
+          <a:p>
+            <a:endParaRPr lang="en-GB" sz="2400" dirty="0">
+              <a:solidFill>
+                <a:schemeClr val="accent2"/>
+              </a:solidFill>
+            </a:endParaRPr>
+          </a:p>
+          <a:p>
+            <a:endParaRPr lang="en-GB" sz="2400" dirty="0">
+              <a:solidFill>
+                <a:schemeClr val="accent2"/>
+              </a:solidFill>
+            </a:endParaRPr>
+          </a:p>
+          <a:p>
+            <a:endParaRPr lang="en-GB" sz="2400" dirty="0">
+              <a:solidFill>
+                <a:schemeClr val="accent2"/>
+              </a:solidFill>
+            </a:endParaRPr>
+          </a:p>
+          <a:p>
+            <a:endParaRPr lang="en-GB" sz="2400" b="1" dirty="0"/>
+          </a:p>
+        </p:txBody>
+      </p:sp>
+      <p:sp>
+        <p:nvSpPr>
+          <p:cNvPr id="9" name="Isosceles Triangle 6">
+            <a:extLst>
+              <a:ext uri="{FF2B5EF4-FFF2-40B4-BE49-F238E27FC236}">
+                <a16:creationId xmlns:a16="http://schemas.microsoft.com/office/drawing/2014/main" id="{C8A477D7-37D5-C571-F295-169D7D1718A1}"/>
+              </a:ext>
+            </a:extLst>
+          </p:cNvPr>
+          <p:cNvSpPr/>
+          <p:nvPr/>
+        </p:nvSpPr>
+        <p:spPr>
+          <a:xfrm rot="5400000">
+            <a:off x="348693" y="1504934"/>
+            <a:ext cx="457812" cy="394666"/>
+          </a:xfrm>
+          <a:prstGeom prst="triangle">
+            <a:avLst/>
+          </a:prstGeom>
+          <a:solidFill>
+            <a:srgbClr val="00ACE6"/>
+          </a:solidFill>
+          <a:ln>
+            <a:noFill/>
+          </a:ln>
+        </p:spPr>
+        <p:style>
+          <a:lnRef idx="2">
+            <a:schemeClr val="accent1">
+              <a:shade val="50000"/>
+            </a:schemeClr>
+          </a:lnRef>
+          <a:fillRef idx="1">
+            <a:schemeClr val="accent1"/>
+          </a:fillRef>
+          <a:effectRef idx="0">
+            <a:schemeClr val="accent1"/>
+          </a:effectRef>
+          <a:fontRef idx="minor">
+            <a:schemeClr val="lt1"/>
+          </a:fontRef>
+        </p:style>
+        <p:txBody>
+          <a:bodyPr rtlCol="0" anchor="ctr"/>
+          <a:lstStyle/>
+          <a:p>
+            <a:pPr algn="ctr"/>
+            <a:endParaRPr lang="tr-TR"/>
+          </a:p>
+        </p:txBody>
+      </p:sp>
+      <p:sp>
+        <p:nvSpPr>
+          <p:cNvPr id="3" name="Rectangle 2">
+            <a:extLst>
+              <a:ext uri="{FF2B5EF4-FFF2-40B4-BE49-F238E27FC236}">
+                <a16:creationId xmlns:a16="http://schemas.microsoft.com/office/drawing/2014/main" id="{22D2F14A-CE06-4DDC-DCA2-C0DF5CCEDCEA}"/>
+              </a:ext>
+            </a:extLst>
+          </p:cNvPr>
+          <p:cNvSpPr/>
+          <p:nvPr/>
+        </p:nvSpPr>
+        <p:spPr>
+          <a:xfrm>
+            <a:off x="2863822" y="1459218"/>
+            <a:ext cx="8035823" cy="2554545"/>
+          </a:xfrm>
+          <a:prstGeom prst="rect">
+            <a:avLst/>
+          </a:prstGeom>
+          <a:ln w="12700">
+            <a:solidFill>
+              <a:schemeClr val="tx1"/>
+            </a:solidFill>
+          </a:ln>
+        </p:spPr>
+        <p:txBody>
+          <a:bodyPr wrap="square">
+            <a:spAutoFit/>
+          </a:bodyPr>
+          <a:lstStyle/>
+          <a:p>
+            <a:r>
+              <a:rPr lang="en-GB" sz="1600" b="1" dirty="0">
+                <a:latin typeface="Menlo-Regular" panose="020B0609030804020204" pitchFamily="49" charset="0"/>
+              </a:rPr>
+              <a:t>fesom-2.1.yaml</a:t>
+            </a:r>
+            <a:endParaRPr lang="en-GB" sz="1600" dirty="0">
+              <a:solidFill>
+                <a:srgbClr val="0E6E35"/>
+              </a:solidFill>
+              <a:latin typeface="Courier" pitchFamily="2" charset="0"/>
+            </a:endParaRPr>
+          </a:p>
+          <a:p>
+            <a:r>
+              <a:rPr lang="en-GB" sz="1600" dirty="0" err="1">
+                <a:solidFill>
+                  <a:srgbClr val="0E6E35"/>
+                </a:solidFill>
+                <a:latin typeface="Courier" pitchFamily="2" charset="0"/>
+              </a:rPr>
+              <a:t>compiletime_environment_changes</a:t>
+            </a:r>
+            <a:r>
+              <a:rPr lang="en-GB" sz="1600" dirty="0">
+                <a:solidFill>
+                  <a:srgbClr val="000000"/>
+                </a:solidFill>
+                <a:latin typeface="Courier" pitchFamily="2" charset="0"/>
+              </a:rPr>
+              <a:t>:</a:t>
+            </a:r>
+          </a:p>
+          <a:p>
+            <a:r>
+              <a:rPr lang="en-GB" sz="1600" dirty="0">
+                <a:solidFill>
+                  <a:srgbClr val="0E6E35"/>
+                </a:solidFill>
+                <a:latin typeface="Courier" pitchFamily="2" charset="0"/>
+              </a:rPr>
+              <a:t>        </a:t>
+            </a:r>
+            <a:r>
+              <a:rPr lang="en-GB" sz="1600" dirty="0" err="1">
+                <a:solidFill>
+                  <a:srgbClr val="0E6E35"/>
+                </a:solidFill>
+                <a:latin typeface="Courier" pitchFamily="2" charset="0"/>
+              </a:rPr>
+              <a:t>add_export_vars</a:t>
+            </a:r>
+            <a:r>
+              <a:rPr lang="en-GB" sz="1600" dirty="0">
+                <a:solidFill>
+                  <a:srgbClr val="000000"/>
+                </a:solidFill>
+                <a:latin typeface="Courier" pitchFamily="2" charset="0"/>
+              </a:rPr>
+              <a:t>:</a:t>
+            </a:r>
+          </a:p>
+          <a:p>
+            <a:r>
+              <a:rPr lang="en-GB" sz="1600" dirty="0">
+                <a:solidFill>
+                  <a:srgbClr val="0F7001"/>
+                </a:solidFill>
+                <a:latin typeface="Courier" pitchFamily="2" charset="0"/>
+              </a:rPr>
+              <a:t>                taken2from</a:t>
+            </a:r>
+            <a:r>
+              <a:rPr lang="en-GB" sz="1600" b="1" dirty="0">
+                <a:solidFill>
+                  <a:srgbClr val="921A20"/>
+                </a:solidFill>
+                <a:latin typeface="Courier-Bold" pitchFamily="2" charset="0"/>
+              </a:rPr>
+              <a:t>: </a:t>
+            </a:r>
+            <a:r>
+              <a:rPr lang="en-GB" sz="1600" dirty="0">
+                <a:solidFill>
+                  <a:srgbClr val="000000"/>
+                </a:solidFill>
+                <a:latin typeface="Courier" pitchFamily="2" charset="0"/>
+              </a:rPr>
+              <a:t>     fesom2_compile</a:t>
+            </a:r>
+          </a:p>
+          <a:p>
+            <a:r>
+              <a:rPr lang="en-GB" sz="1600" dirty="0">
+                <a:solidFill>
+                  <a:srgbClr val="0E6E35"/>
+                </a:solidFill>
+                <a:latin typeface="Courier" pitchFamily="2" charset="0"/>
+              </a:rPr>
+              <a:t>        </a:t>
+            </a:r>
+            <a:r>
+              <a:rPr lang="en-GB" sz="1600" dirty="0" err="1">
+                <a:solidFill>
+                  <a:srgbClr val="0E6E35"/>
+                </a:solidFill>
+                <a:latin typeface="Courier" pitchFamily="2" charset="0"/>
+              </a:rPr>
+              <a:t>choose_computer.name</a:t>
+            </a:r>
+            <a:r>
+              <a:rPr lang="en-GB" sz="1600" dirty="0">
+                <a:solidFill>
+                  <a:srgbClr val="000000"/>
+                </a:solidFill>
+                <a:latin typeface="Courier" pitchFamily="2" charset="0"/>
+              </a:rPr>
+              <a:t>:</a:t>
+            </a:r>
+          </a:p>
+          <a:p>
+            <a:r>
+              <a:rPr lang="en-GB" sz="1600" dirty="0">
+                <a:solidFill>
+                  <a:srgbClr val="0E6E35"/>
+                </a:solidFill>
+                <a:latin typeface="Courier" pitchFamily="2" charset="0"/>
+              </a:rPr>
+              <a:t>                </a:t>
+            </a:r>
+            <a:r>
+              <a:rPr lang="en-GB" sz="1600" dirty="0" err="1">
+                <a:solidFill>
+                  <a:srgbClr val="0E6E35"/>
+                </a:solidFill>
+                <a:latin typeface="Courier" pitchFamily="2" charset="0"/>
+              </a:rPr>
+              <a:t>juwels</a:t>
+            </a:r>
+            <a:r>
+              <a:rPr lang="en-GB" sz="1600" dirty="0">
+                <a:solidFill>
+                  <a:srgbClr val="000000"/>
+                </a:solidFill>
+                <a:latin typeface="Courier" pitchFamily="2" charset="0"/>
+              </a:rPr>
+              <a:t>:</a:t>
+            </a:r>
+          </a:p>
+          <a:p>
+            <a:r>
+              <a:rPr lang="en-GB" sz="1600" dirty="0">
+                <a:solidFill>
+                  <a:srgbClr val="0E6E35"/>
+                </a:solidFill>
+                <a:latin typeface="Courier" pitchFamily="2" charset="0"/>
+              </a:rPr>
+              <a:t>                        </a:t>
+            </a:r>
+            <a:r>
+              <a:rPr lang="en-GB" sz="1600" dirty="0" err="1">
+                <a:solidFill>
+                  <a:srgbClr val="0E6E35"/>
+                </a:solidFill>
+                <a:latin typeface="Courier" pitchFamily="2" charset="0"/>
+              </a:rPr>
+              <a:t>add_module_actions</a:t>
+            </a:r>
+            <a:r>
+              <a:rPr lang="en-GB" sz="1600" b="1" dirty="0">
+                <a:solidFill>
+                  <a:srgbClr val="921A20"/>
+                </a:solidFill>
+                <a:latin typeface="Courier-Bold" pitchFamily="2" charset="0"/>
+              </a:rPr>
+              <a:t>:</a:t>
+            </a:r>
+          </a:p>
+          <a:p>
+            <a:r>
+              <a:rPr lang="en-GB" sz="1600" dirty="0">
+                <a:solidFill>
+                  <a:srgbClr val="000000"/>
+                </a:solidFill>
+                <a:latin typeface="Courier" pitchFamily="2" charset="0"/>
+              </a:rPr>
+              <a:t>                                - </a:t>
+            </a:r>
+            <a:r>
+              <a:rPr lang="en-GB" sz="1600" dirty="0">
+                <a:solidFill>
+                  <a:srgbClr val="C100C4"/>
+                </a:solidFill>
+                <a:latin typeface="Courier" pitchFamily="2" charset="0"/>
+              </a:rPr>
+              <a:t>"unload </a:t>
+            </a:r>
+            <a:r>
+              <a:rPr lang="en-GB" sz="1600" dirty="0" err="1">
+                <a:solidFill>
+                  <a:srgbClr val="C100C4"/>
+                </a:solidFill>
+                <a:latin typeface="Courier" pitchFamily="2" charset="0"/>
+              </a:rPr>
+              <a:t>ParaStationMPI</a:t>
+            </a:r>
+            <a:r>
+              <a:rPr lang="en-GB" sz="1600" dirty="0">
+                <a:solidFill>
+                  <a:srgbClr val="C100C4"/>
+                </a:solidFill>
+                <a:latin typeface="Courier" pitchFamily="2" charset="0"/>
+              </a:rPr>
+              <a:t>”</a:t>
+            </a:r>
+          </a:p>
+          <a:p>
+            <a:r>
+              <a:rPr lang="en-GB" sz="1600" dirty="0">
+                <a:solidFill>
+                  <a:srgbClr val="000000"/>
+                </a:solidFill>
+                <a:latin typeface="Courier" pitchFamily="2" charset="0"/>
+              </a:rPr>
+              <a:t>                                - </a:t>
+            </a:r>
+            <a:r>
+              <a:rPr lang="en-GB" sz="1600" dirty="0">
+                <a:solidFill>
+                  <a:srgbClr val="C100C4"/>
+                </a:solidFill>
+                <a:latin typeface="Courier" pitchFamily="2" charset="0"/>
+              </a:rPr>
+              <a:t>"load </a:t>
+            </a:r>
+            <a:r>
+              <a:rPr lang="en-GB" sz="1600" dirty="0" err="1">
+                <a:solidFill>
+                  <a:srgbClr val="C100C4"/>
+                </a:solidFill>
+                <a:latin typeface="Courier" pitchFamily="2" charset="0"/>
+              </a:rPr>
+              <a:t>ParaStationMPI</a:t>
+            </a:r>
+            <a:r>
+              <a:rPr lang="en-GB" sz="1600" dirty="0">
+                <a:solidFill>
+                  <a:srgbClr val="C100C4"/>
+                </a:solidFill>
+                <a:latin typeface="Courier" pitchFamily="2" charset="0"/>
+              </a:rPr>
+              <a:t>/5.4.4-1”</a:t>
+            </a:r>
+          </a:p>
+          <a:p>
+            <a:r>
+              <a:rPr lang="en-GB" sz="1600" dirty="0">
+                <a:solidFill>
+                  <a:srgbClr val="000000"/>
+                </a:solidFill>
+                <a:latin typeface="Courier" pitchFamily="2" charset="0"/>
+              </a:rPr>
+              <a:t>                                - </a:t>
+            </a:r>
+            <a:r>
+              <a:rPr lang="en-GB" sz="1600" dirty="0">
+                <a:solidFill>
+                  <a:srgbClr val="C100C4"/>
+                </a:solidFill>
+                <a:latin typeface="Courier" pitchFamily="2" charset="0"/>
+              </a:rPr>
+              <a:t>"load </a:t>
+            </a:r>
+            <a:r>
+              <a:rPr lang="en-GB" sz="1600" dirty="0" err="1">
+                <a:solidFill>
+                  <a:srgbClr val="C100C4"/>
+                </a:solidFill>
+                <a:latin typeface="Courier" pitchFamily="2" charset="0"/>
+              </a:rPr>
+              <a:t>netCDF</a:t>
+            </a:r>
+            <a:r>
+              <a:rPr lang="en-GB" sz="1600" dirty="0">
+                <a:solidFill>
+                  <a:srgbClr val="C100C4"/>
+                </a:solidFill>
+                <a:latin typeface="Courier" pitchFamily="2" charset="0"/>
+              </a:rPr>
+              <a:t>-Fortran/4.4.5"</a:t>
+            </a:r>
+            <a:endParaRPr lang="en-GB" sz="1600" dirty="0"/>
+          </a:p>
+        </p:txBody>
+      </p:sp>
+      <p:sp>
+        <p:nvSpPr>
+          <p:cNvPr id="5" name="Rectangle 4">
+            <a:extLst>
+              <a:ext uri="{FF2B5EF4-FFF2-40B4-BE49-F238E27FC236}">
+                <a16:creationId xmlns:a16="http://schemas.microsoft.com/office/drawing/2014/main" id="{17883B31-ACC5-4052-729D-818284D4215B}"/>
+              </a:ext>
+            </a:extLst>
+          </p:cNvPr>
+          <p:cNvSpPr/>
+          <p:nvPr/>
+        </p:nvSpPr>
+        <p:spPr>
+          <a:xfrm>
+            <a:off x="3833733" y="4305434"/>
+            <a:ext cx="6096000" cy="2308324"/>
+          </a:xfrm>
+          <a:prstGeom prst="rect">
+            <a:avLst/>
+          </a:prstGeom>
+          <a:ln w="12700">
+            <a:solidFill>
+              <a:schemeClr val="tx1"/>
+            </a:solidFill>
+          </a:ln>
+        </p:spPr>
+        <p:txBody>
+          <a:bodyPr>
+            <a:spAutoFit/>
+          </a:bodyPr>
+          <a:lstStyle/>
+          <a:p>
+            <a:r>
+              <a:rPr lang="en-GB" sz="1600" b="1" dirty="0">
+                <a:latin typeface="Menlo-Regular" panose="020B0609030804020204" pitchFamily="49" charset="0"/>
+              </a:rPr>
+              <a:t>comp-fesom-2.1.yaml in </a:t>
+            </a:r>
+            <a:r>
+              <a:rPr lang="en-GB" sz="1600" b="1" dirty="0" err="1">
+                <a:latin typeface="Menlo-Regular" panose="020B0609030804020204" pitchFamily="49" charset="0"/>
+              </a:rPr>
+              <a:t>Juwels</a:t>
+            </a:r>
+            <a:endParaRPr lang="en-GB" sz="1600" dirty="0">
+              <a:solidFill>
+                <a:srgbClr val="0E6E35"/>
+              </a:solidFill>
+              <a:latin typeface="Courier" pitchFamily="2" charset="0"/>
+            </a:endParaRPr>
+          </a:p>
+          <a:p>
+            <a:r>
+              <a:rPr lang="en-GB" sz="1600" i="1" dirty="0">
+                <a:solidFill>
+                  <a:srgbClr val="535353"/>
+                </a:solidFill>
+                <a:latin typeface="Courier-Oblique" pitchFamily="2" charset="0"/>
+              </a:rPr>
+              <a:t>#&lt;module actions defined in </a:t>
+            </a:r>
+            <a:r>
+              <a:rPr lang="en-GB" sz="1600" i="1" dirty="0" err="1">
+                <a:solidFill>
+                  <a:srgbClr val="535353"/>
+                </a:solidFill>
+                <a:latin typeface="Courier-Oblique" pitchFamily="2" charset="0"/>
+              </a:rPr>
+              <a:t>juwels.yaml</a:t>
+            </a:r>
+            <a:r>
+              <a:rPr lang="en-GB" sz="1600" i="1" dirty="0">
+                <a:solidFill>
+                  <a:srgbClr val="535353"/>
+                </a:solidFill>
+                <a:latin typeface="Courier-Oblique" pitchFamily="2" charset="0"/>
+              </a:rPr>
+              <a:t>&gt;</a:t>
+            </a:r>
+          </a:p>
+          <a:p>
+            <a:r>
+              <a:rPr lang="en-GB" sz="1600" b="1" dirty="0">
+                <a:solidFill>
+                  <a:srgbClr val="000000"/>
+                </a:solidFill>
+                <a:latin typeface="Courier" pitchFamily="2" charset="0"/>
+              </a:rPr>
+              <a:t>module unload </a:t>
+            </a:r>
+            <a:r>
+              <a:rPr lang="en-GB" sz="1600" b="1" dirty="0" err="1">
+                <a:solidFill>
+                  <a:srgbClr val="000000"/>
+                </a:solidFill>
+                <a:latin typeface="Courier" pitchFamily="2" charset="0"/>
+              </a:rPr>
+              <a:t>ParaStationMPI</a:t>
+            </a:r>
+            <a:endParaRPr lang="en-GB" sz="1600" b="1" dirty="0">
+              <a:solidFill>
+                <a:srgbClr val="000000"/>
+              </a:solidFill>
+              <a:latin typeface="Courier" pitchFamily="2" charset="0"/>
+            </a:endParaRPr>
+          </a:p>
+          <a:p>
+            <a:r>
+              <a:rPr lang="en-GB" sz="1600" b="1" dirty="0">
+                <a:solidFill>
+                  <a:srgbClr val="000000"/>
+                </a:solidFill>
+                <a:latin typeface="Courier" pitchFamily="2" charset="0"/>
+              </a:rPr>
+              <a:t>module load </a:t>
+            </a:r>
+            <a:r>
+              <a:rPr lang="en-GB" sz="1600" b="1" dirty="0" err="1">
+                <a:solidFill>
+                  <a:srgbClr val="000000"/>
+                </a:solidFill>
+                <a:latin typeface="Courier" pitchFamily="2" charset="0"/>
+              </a:rPr>
+              <a:t>ParaStationMPI</a:t>
+            </a:r>
+            <a:r>
+              <a:rPr lang="en-GB" sz="1600" b="1" dirty="0">
+                <a:solidFill>
+                  <a:srgbClr val="000000"/>
+                </a:solidFill>
+                <a:latin typeface="Courier-Bold" pitchFamily="2" charset="0"/>
+              </a:rPr>
+              <a:t>/</a:t>
+            </a:r>
+            <a:r>
+              <a:rPr lang="en-GB" sz="1600" b="1" dirty="0">
+                <a:solidFill>
+                  <a:srgbClr val="000000"/>
+                </a:solidFill>
+                <a:latin typeface="Courier" pitchFamily="2" charset="0"/>
+              </a:rPr>
+              <a:t>5.4.4-1</a:t>
+            </a:r>
+          </a:p>
+          <a:p>
+            <a:r>
+              <a:rPr lang="en-GB" sz="1600" b="1" dirty="0">
+                <a:solidFill>
+                  <a:srgbClr val="000000"/>
+                </a:solidFill>
+                <a:latin typeface="Courier" pitchFamily="2" charset="0"/>
+              </a:rPr>
+              <a:t>module load </a:t>
+            </a:r>
+            <a:r>
+              <a:rPr lang="en-GB" sz="1600" b="1" dirty="0" err="1">
+                <a:solidFill>
+                  <a:srgbClr val="000000"/>
+                </a:solidFill>
+                <a:latin typeface="Courier" pitchFamily="2" charset="0"/>
+              </a:rPr>
+              <a:t>netCDF</a:t>
+            </a:r>
+            <a:r>
+              <a:rPr lang="en-GB" sz="1600" b="1" dirty="0">
+                <a:solidFill>
+                  <a:srgbClr val="000000"/>
+                </a:solidFill>
+                <a:latin typeface="Courier" pitchFamily="2" charset="0"/>
+              </a:rPr>
+              <a:t>-Fortran</a:t>
+            </a:r>
+            <a:r>
+              <a:rPr lang="en-GB" sz="1600" b="1" dirty="0">
+                <a:solidFill>
+                  <a:srgbClr val="000000"/>
+                </a:solidFill>
+                <a:latin typeface="Courier-Bold" pitchFamily="2" charset="0"/>
+              </a:rPr>
+              <a:t>/</a:t>
+            </a:r>
+            <a:r>
+              <a:rPr lang="en-GB" sz="1600" b="1" dirty="0">
+                <a:solidFill>
+                  <a:srgbClr val="000000"/>
+                </a:solidFill>
+                <a:latin typeface="Courier" pitchFamily="2" charset="0"/>
+              </a:rPr>
+              <a:t>4.4.5 </a:t>
+            </a:r>
+          </a:p>
+          <a:p>
+            <a:endParaRPr lang="en-GB" sz="1600" dirty="0">
+              <a:solidFill>
+                <a:srgbClr val="000000"/>
+              </a:solidFill>
+              <a:latin typeface="Courier" pitchFamily="2" charset="0"/>
+            </a:endParaRPr>
+          </a:p>
+          <a:p>
+            <a:r>
+              <a:rPr lang="en-GB" sz="1600" i="1" dirty="0">
+                <a:solidFill>
+                  <a:srgbClr val="535353"/>
+                </a:solidFill>
+                <a:latin typeface="Courier-Oblique" pitchFamily="2" charset="0"/>
+              </a:rPr>
+              <a:t>#&lt;exported variables as defined in the </a:t>
+            </a:r>
+            <a:r>
+              <a:rPr lang="en-GB" sz="1600" i="1" dirty="0" err="1">
+                <a:solidFill>
+                  <a:srgbClr val="535353"/>
+                </a:solidFill>
+                <a:latin typeface="Courier-Oblique" pitchFamily="2" charset="0"/>
+              </a:rPr>
+              <a:t>juwels.yaml</a:t>
+            </a:r>
+            <a:r>
+              <a:rPr lang="en-GB" sz="1600" i="1" dirty="0">
+                <a:solidFill>
+                  <a:srgbClr val="535353"/>
+                </a:solidFill>
+                <a:latin typeface="Courier-Oblique" pitchFamily="2" charset="0"/>
+              </a:rPr>
+              <a:t>&gt;</a:t>
+            </a:r>
+          </a:p>
+          <a:p>
+            <a:r>
+              <a:rPr lang="en-GB" sz="1600" dirty="0">
+                <a:solidFill>
+                  <a:srgbClr val="650061"/>
+                </a:solidFill>
+                <a:latin typeface="Courier-Bold" pitchFamily="2" charset="0"/>
+              </a:rPr>
+              <a:t>export</a:t>
+            </a:r>
+            <a:r>
+              <a:rPr lang="en-GB" sz="1600" dirty="0">
+                <a:solidFill>
+                  <a:srgbClr val="000000"/>
+                </a:solidFill>
+                <a:latin typeface="Courier" pitchFamily="2" charset="0"/>
+              </a:rPr>
+              <a:t> </a:t>
+            </a:r>
+            <a:r>
+              <a:rPr lang="en-GB" sz="1600" dirty="0">
+                <a:solidFill>
+                  <a:srgbClr val="0E6801"/>
+                </a:solidFill>
+                <a:latin typeface="Courier" pitchFamily="2" charset="0"/>
+              </a:rPr>
+              <a:t>taken2from</a:t>
+            </a:r>
+            <a:r>
+              <a:rPr lang="en-GB" sz="1600" dirty="0">
+                <a:solidFill>
+                  <a:srgbClr val="000000"/>
+                </a:solidFill>
+                <a:latin typeface="Courier" pitchFamily="2" charset="0"/>
+              </a:rPr>
+              <a:t>=</a:t>
+            </a:r>
+            <a:r>
+              <a:rPr lang="en-GB" sz="1600" dirty="0">
+                <a:solidFill>
+                  <a:srgbClr val="FB0007"/>
+                </a:solidFill>
+                <a:latin typeface="Courier" pitchFamily="2" charset="0"/>
+              </a:rPr>
+              <a:t>"fesom2_compile"</a:t>
+            </a:r>
+            <a:r>
+              <a:rPr lang="en-GB" sz="1600" dirty="0">
+                <a:solidFill>
+                  <a:srgbClr val="000000"/>
+                </a:solidFill>
+                <a:latin typeface="Courier" pitchFamily="2" charset="0"/>
+              </a:rPr>
+              <a:t> </a:t>
+            </a:r>
+            <a:endParaRPr lang="en-GB" sz="1600" dirty="0"/>
+          </a:p>
+        </p:txBody>
+      </p:sp>
+    </p:spTree>
+    <p:extLst>
+      <p:ext uri="{BB962C8B-B14F-4D97-AF65-F5344CB8AC3E}">
+        <p14:creationId xmlns:p14="http://schemas.microsoft.com/office/powerpoint/2010/main" val="3830261334"/>
+      </p:ext>
+    </p:extLst>
+  </p:cSld>
+  <p:clrMapOvr>
+    <a:masterClrMapping/>
+  </p:clrMapOvr>
 </p:sld>
 </file>
 
